--- a/App - Sadna.pptx
+++ b/App - Sadna.pptx
@@ -21,6 +21,10 @@
     <p:sldId id="269" r:id="rId15"/>
     <p:sldId id="270" r:id="rId16"/>
     <p:sldId id="271" r:id="rId17"/>
+    <p:sldId id="272" r:id="rId18"/>
+    <p:sldId id="273" r:id="rId19"/>
+    <p:sldId id="274" r:id="rId20"/>
+    <p:sldId id="275" r:id="rId21"/>
   </p:sldIdLst>
   <p:sldSz cx="12192000" cy="6858000"/>
   <p:notesSz cx="6858000" cy="9144000"/>
@@ -119,6 +123,11 @@
       </a:defRPr>
     </a:lvl9pPr>
   </p:defaultTextStyle>
+  <p:extLst>
+    <p:ext uri="{EFAFB233-063F-42B5-8137-9DF3F51BA10A}">
+      <p15:sldGuideLst xmlns:p15="http://schemas.microsoft.com/office/powerpoint/2012/main"/>
+    </p:ext>
+  </p:extLst>
 </p:presentation>
 </file>
 
@@ -292,7 +301,7 @@
             <a:fld id="{87DE6118-2437-4B30-8E3C-4D2BE6020583}" type="datetimeFigureOut">
               <a:rPr lang="en-US" dirty="0"/>
               <a:pPr/>
-              <a:t>2/26/22</a:t>
+              <a:t>5/23/2022</a:t>
             </a:fld>
             <a:endParaRPr lang="en-US" dirty="0"/>
           </a:p>
@@ -618,7 +627,7 @@
           <a:p>
             <a:fld id="{87DE6118-2437-4B30-8E3C-4D2BE6020583}" type="datetimeFigureOut">
               <a:rPr lang="en-US" dirty="0"/>
-              <a:t>2/26/22</a:t>
+              <a:t>5/23/2022</a:t>
             </a:fld>
             <a:endParaRPr lang="en-US" dirty="0"/>
           </a:p>
@@ -793,7 +802,7 @@
           <a:p>
             <a:fld id="{87DE6118-2437-4B30-8E3C-4D2BE6020583}" type="datetimeFigureOut">
               <a:rPr lang="en-US" dirty="0"/>
-              <a:t>2/26/22</a:t>
+              <a:t>5/23/2022</a:t>
             </a:fld>
             <a:endParaRPr lang="en-US" dirty="0"/>
           </a:p>
@@ -958,7 +967,7 @@
           <a:p>
             <a:fld id="{87DE6118-2437-4B30-8E3C-4D2BE6020583}" type="datetimeFigureOut">
               <a:rPr lang="en-US" dirty="0"/>
-              <a:t>2/26/22</a:t>
+              <a:t>5/23/2022</a:t>
             </a:fld>
             <a:endParaRPr lang="en-US" dirty="0"/>
           </a:p>
@@ -1231,7 +1240,7 @@
             <a:fld id="{87DE6118-2437-4B30-8E3C-4D2BE6020583}" type="datetimeFigureOut">
               <a:rPr lang="en-US" dirty="0"/>
               <a:pPr/>
-              <a:t>2/26/22</a:t>
+              <a:t>5/23/2022</a:t>
             </a:fld>
             <a:endParaRPr lang="en-US" dirty="0"/>
           </a:p>
@@ -1621,7 +1630,7 @@
           <a:p>
             <a:fld id="{87DE6118-2437-4B30-8E3C-4D2BE6020583}" type="datetimeFigureOut">
               <a:rPr lang="en-US" dirty="0"/>
-              <a:t>2/26/22</a:t>
+              <a:t>5/23/2022</a:t>
             </a:fld>
             <a:endParaRPr lang="en-US" dirty="0"/>
           </a:p>
@@ -2093,7 +2102,7 @@
           <a:p>
             <a:fld id="{87DE6118-2437-4B30-8E3C-4D2BE6020583}" type="datetimeFigureOut">
               <a:rPr lang="en-US" dirty="0"/>
-              <a:t>2/26/22</a:t>
+              <a:t>5/23/2022</a:t>
             </a:fld>
             <a:endParaRPr lang="en-US" dirty="0"/>
           </a:p>
@@ -2206,7 +2215,7 @@
           <a:p>
             <a:fld id="{87DE6118-2437-4B30-8E3C-4D2BE6020583}" type="datetimeFigureOut">
               <a:rPr lang="en-US" dirty="0"/>
-              <a:t>2/26/22</a:t>
+              <a:t>5/23/2022</a:t>
             </a:fld>
             <a:endParaRPr lang="en-US" dirty="0"/>
           </a:p>
@@ -2296,7 +2305,7 @@
           <a:p>
             <a:fld id="{87DE6118-2437-4B30-8E3C-4D2BE6020583}" type="datetimeFigureOut">
               <a:rPr lang="en-US" dirty="0"/>
-              <a:t>2/26/22</a:t>
+              <a:t>5/23/2022</a:t>
             </a:fld>
             <a:endParaRPr lang="en-US" dirty="0"/>
           </a:p>
@@ -2638,7 +2647,7 @@
             <a:fld id="{87DE6118-2437-4B30-8E3C-4D2BE6020583}" type="datetimeFigureOut">
               <a:rPr lang="en-US" dirty="0"/>
               <a:pPr/>
-              <a:t>2/26/22</a:t>
+              <a:t>5/23/2022</a:t>
             </a:fld>
             <a:endParaRPr lang="en-US" dirty="0"/>
           </a:p>
@@ -3023,7 +3032,7 @@
             <a:fld id="{87DE6118-2437-4B30-8E3C-4D2BE6020583}" type="datetimeFigureOut">
               <a:rPr lang="en-US" dirty="0"/>
               <a:pPr/>
-              <a:t>2/26/22</a:t>
+              <a:t>5/23/2022</a:t>
             </a:fld>
             <a:endParaRPr lang="en-US" dirty="0"/>
           </a:p>
@@ -3298,7 +3307,7 @@
             <a:fld id="{87DE6118-2437-4B30-8E3C-4D2BE6020583}" type="datetimeFigureOut">
               <a:rPr lang="en-US" dirty="0"/>
               <a:pPr/>
-              <a:t>2/26/22</a:t>
+              <a:t>5/23/2022</a:t>
             </a:fld>
             <a:endParaRPr lang="en-US" dirty="0"/>
           </a:p>
@@ -3829,7 +3838,7 @@
           <a:p>
             <a:r>
               <a:rPr lang="en-IL" dirty="0"/>
-              <a:t>ejukebox</a:t>
+              <a:t>jukebox</a:t>
             </a:r>
           </a:p>
         </p:txBody>
@@ -4168,7 +4177,7 @@
             <a:pPr algn="ctr"/>
             <a:r>
               <a:rPr lang="en-US" sz="6000" cap="all" dirty="0"/>
-              <a:t>ALSO</a:t>
+              <a:t>Plus:</a:t>
             </a:r>
           </a:p>
         </p:txBody>
@@ -4532,15 +4541,16 @@
           <a:p>
             <a:r>
               <a:rPr lang="en-IL" dirty="0"/>
-              <a:t>OK. You been identified.</a:t>
+              <a:t>You’ve been identified.</a:t>
             </a:r>
             <a:br>
               <a:rPr lang="en-IL" dirty="0"/>
             </a:br>
             <a:r>
-              <a:rPr lang="en-IL" dirty="0"/>
-              <a:t>Now Host Conection.</a:t>
-            </a:r>
+              <a:rPr lang="en-US" dirty="0"/>
+              <a:t>Now, lets find a host -</a:t>
+            </a:r>
+            <a:endParaRPr lang="en-IL" dirty="0"/>
           </a:p>
         </p:txBody>
       </p:sp>
@@ -4648,7 +4658,7 @@
         <p:spPr>
           <a:xfrm>
             <a:off x="4954181" y="2286000"/>
-            <a:ext cx="6562905" cy="3581400"/>
+            <a:ext cx="7042076" cy="3581400"/>
           </a:xfrm>
         </p:spPr>
         <p:txBody>
@@ -4659,21 +4669,7 @@
           <a:p>
             <a:r>
               <a:rPr lang="en-US" dirty="0"/>
-              <a:t>First. Either you a subscribed member or a guest member, you need to find the host.</a:t>
-            </a:r>
-          </a:p>
-          <a:p>
-            <a:r>
-              <a:rPr lang="en-US" dirty="0"/>
-              <a:t>The host is the Owner of the virtual </a:t>
-            </a:r>
-            <a:r>
-              <a:rPr lang="en-US" dirty="0" err="1"/>
-              <a:t>JukeBox</a:t>
-            </a:r>
-            <a:r>
-              <a:rPr lang="en-US" dirty="0"/>
-              <a:t> aka </a:t>
+              <a:t>The host is the owner of the virtual Juke box (aka </a:t>
             </a:r>
             <a:r>
               <a:rPr lang="en-US" dirty="0" err="1"/>
@@ -4681,25 +4677,13 @@
             </a:r>
             <a:r>
               <a:rPr lang="en-US" dirty="0"/>
-              <a:t>.</a:t>
+              <a:t>).</a:t>
             </a:r>
           </a:p>
           <a:p>
             <a:r>
               <a:rPr lang="en-US" dirty="0"/>
-              <a:t>The interface for manually host search, is friendly and simple.</a:t>
-            </a:r>
-          </a:p>
-          <a:p>
-            <a:r>
-              <a:rPr lang="en-US" dirty="0"/>
-              <a:t>The host would physically hand the clients information about his host page on the app.</a:t>
-            </a:r>
-          </a:p>
-          <a:p>
-            <a:r>
-              <a:rPr lang="en-US" dirty="0"/>
-              <a:t>Starting to type will bring relevant results.</a:t>
+              <a:t>Users can look for a host by name or by location</a:t>
             </a:r>
           </a:p>
         </p:txBody>
@@ -4835,14 +4819,22 @@
           <a:p>
             <a:r>
               <a:rPr lang="en-IL" dirty="0"/>
-              <a:t>You Found your host.</a:t>
+              <a:t>You found your host.</a:t>
             </a:r>
             <a:br>
               <a:rPr lang="en-IL" dirty="0"/>
             </a:br>
             <a:r>
               <a:rPr lang="en-IL" dirty="0"/>
-              <a:t>Host Page Includes:</a:t>
+              <a:t>Host </a:t>
+            </a:r>
+            <a:r>
+              <a:rPr lang="en-US" dirty="0"/>
+              <a:t>p</a:t>
+            </a:r>
+            <a:r>
+              <a:rPr lang="en-IL" dirty="0"/>
+              <a:t>age Includes:</a:t>
             </a:r>
           </a:p>
         </p:txBody>
@@ -4962,7 +4954,7 @@
           <a:p>
             <a:r>
               <a:rPr lang="en-US" dirty="0"/>
-              <a:t>Current Song being played</a:t>
+              <a:t>Current song being played</a:t>
             </a:r>
           </a:p>
           <a:p>
@@ -4974,7 +4966,7 @@
           <a:p>
             <a:r>
               <a:rPr lang="en-US" dirty="0"/>
-              <a:t>Active users</a:t>
+              <a:t>Total Listeners</a:t>
             </a:r>
           </a:p>
           <a:p>
@@ -5295,8 +5287,8 @@
           <a:p>
             <a:pPr algn="ctr"/>
             <a:r>
-              <a:rPr lang="en-US" sz="6100" cap="all"/>
-              <a:t>2-Way Authentication</a:t>
+              <a:rPr lang="en-US" sz="6100" cap="all" dirty="0"/>
+              <a:t>Host Pin CODE</a:t>
             </a:r>
           </a:p>
         </p:txBody>
@@ -5329,21 +5321,16 @@
           </a:bodyPr>
           <a:lstStyle/>
           <a:p>
-            <a:pPr marL="0" indent="0" algn="ctr">
-              <a:lnSpc>
-                <a:spcPct val="112000"/>
-              </a:lnSpc>
-              <a:spcBef>
-                <a:spcPts val="0"/>
-              </a:spcBef>
-              <a:spcAft>
-                <a:spcPts val="600"/>
-              </a:spcAft>
-              <a:buNone/>
-            </a:pPr>
-            <a:r>
-              <a:rPr lang="en-US" sz="2300"/>
-              <a:t>To prevent distant log in</a:t>
+            <a:r>
+              <a:rPr lang="en-US" sz="2400" dirty="0"/>
+              <a:t>The host would physically hand out the pin /QR code to his clients.</a:t>
+            </a:r>
+            <a:br>
+              <a:rPr lang="en-US" sz="2400" dirty="0"/>
+            </a:br>
+            <a:r>
+              <a:rPr lang="en-US" sz="2400" dirty="0"/>
+              <a:t>This mechanism will ensure that joiners are physically present in the venue.</a:t>
             </a:r>
           </a:p>
         </p:txBody>
@@ -5593,8 +5580,12 @@
           <a:lstStyle/>
           <a:p>
             <a:r>
+              <a:rPr lang="en-IL" dirty="0" err="1"/>
+              <a:t>Congratiolations</a:t>
+            </a:r>
+            <a:r>
               <a:rPr lang="en-IL" dirty="0"/>
-              <a:t>Congratiolation !</a:t>
+              <a:t>!</a:t>
             </a:r>
             <a:br>
               <a:rPr lang="en-IL" dirty="0"/>
@@ -5691,31 +5682,37 @@
           <a:p>
             <a:r>
               <a:rPr lang="en-US" dirty="0"/>
-              <a:t>See what’s being played right now (therefore no need for music recognition apps).</a:t>
+              <a:t>See what’s being played right now.</a:t>
             </a:r>
           </a:p>
           <a:p>
             <a:r>
               <a:rPr lang="en-US" dirty="0"/>
-              <a:t>See the interval for music selection.</a:t>
+              <a:t>See the time left for “next song voting”.</a:t>
             </a:r>
           </a:p>
           <a:p>
             <a:r>
               <a:rPr lang="en-US" dirty="0"/>
-              <a:t>Vote for the next song you want to be played for everyone.</a:t>
+              <a:t>Vote for the next song you want everyone to listen to.</a:t>
             </a:r>
           </a:p>
           <a:p>
             <a:r>
               <a:rPr lang="en-US" dirty="0"/>
-              <a:t>Or leave and join another host.</a:t>
+              <a:t>Leave the party and join another host.</a:t>
             </a:r>
           </a:p>
           <a:p>
             <a:r>
               <a:rPr lang="en-US" dirty="0"/>
-              <a:t>Users could “Like and Save” favorites songs.</a:t>
+              <a:t>Registered users could “Like and Save” favorites songs.</a:t>
+            </a:r>
+          </a:p>
+          <a:p>
+            <a:r>
+              <a:rPr lang="en-US" dirty="0"/>
+              <a:t>Registered users could participate in extra activities.</a:t>
             </a:r>
           </a:p>
         </p:txBody>
@@ -5906,41 +5903,6 @@
           </a:p>
         </p:txBody>
       </p:sp>
-      <p:sp>
-        <p:nvSpPr>
-          <p:cNvPr id="2" name="Title 1">
-            <a:extLst>
-              <a:ext uri="{FF2B5EF4-FFF2-40B4-BE49-F238E27FC236}">
-                <a16:creationId xmlns:a16="http://schemas.microsoft.com/office/drawing/2014/main" id="{72AA2ACD-8048-004C-8D72-28D64315BABC}"/>
-              </a:ext>
-            </a:extLst>
-          </p:cNvPr>
-          <p:cNvSpPr>
-            <a:spLocks noGrp="1"/>
-          </p:cNvSpPr>
-          <p:nvPr>
-            <p:ph type="title"/>
-          </p:nvPr>
-        </p:nvSpPr>
-        <p:spPr>
-          <a:xfrm>
-            <a:off x="5100824" y="685800"/>
-            <a:ext cx="6176776" cy="1485900"/>
-          </a:xfrm>
-        </p:spPr>
-        <p:txBody>
-          <a:bodyPr>
-            <a:normAutofit/>
-          </a:bodyPr>
-          <a:lstStyle/>
-          <a:p>
-            <a:r>
-              <a:rPr lang="en-IL" dirty="0"/>
-              <a:t>After Voting</a:t>
-            </a:r>
-          </a:p>
-        </p:txBody>
-      </p:sp>
       <p:pic>
         <p:nvPicPr>
           <p:cNvPr id="7" name="Picture 6">
@@ -5955,16 +5917,15 @@
           </p:cNvPicPr>
           <p:nvPr/>
         </p:nvPicPr>
-        <p:blipFill>
+        <p:blipFill rotWithShape="1">
           <a:blip r:embed="rId2"/>
-          <a:stretch>
-            <a:fillRect/>
-          </a:stretch>
+          <a:srcRect t="27309" r="-164" b="38465"/>
+          <a:stretch/>
         </p:blipFill>
         <p:spPr>
           <a:xfrm>
-            <a:off x="8859186" y="3197679"/>
-            <a:ext cx="1710280" cy="3386694"/>
+            <a:off x="5119327" y="3600450"/>
+            <a:ext cx="4419600" cy="2990481"/>
           </a:xfrm>
           <a:prstGeom prst="rect">
             <a:avLst/>
@@ -5975,6 +5936,41 @@
           <a:effectLst/>
         </p:spPr>
       </p:pic>
+      <p:sp>
+        <p:nvSpPr>
+          <p:cNvPr id="2" name="Title 1">
+            <a:extLst>
+              <a:ext uri="{FF2B5EF4-FFF2-40B4-BE49-F238E27FC236}">
+                <a16:creationId xmlns:a16="http://schemas.microsoft.com/office/drawing/2014/main" id="{72AA2ACD-8048-004C-8D72-28D64315BABC}"/>
+              </a:ext>
+            </a:extLst>
+          </p:cNvPr>
+          <p:cNvSpPr>
+            <a:spLocks noGrp="1"/>
+          </p:cNvSpPr>
+          <p:nvPr>
+            <p:ph type="title"/>
+          </p:nvPr>
+        </p:nvSpPr>
+        <p:spPr>
+          <a:xfrm>
+            <a:off x="5100824" y="685800"/>
+            <a:ext cx="6176776" cy="1485900"/>
+          </a:xfrm>
+        </p:spPr>
+        <p:txBody>
+          <a:bodyPr>
+            <a:normAutofit/>
+          </a:bodyPr>
+          <a:lstStyle/>
+          <a:p>
+            <a:r>
+              <a:rPr lang="en-IL" dirty="0"/>
+              <a:t>After Voting</a:t>
+            </a:r>
+          </a:p>
+        </p:txBody>
+      </p:sp>
       <p:pic>
         <p:nvPicPr>
           <p:cNvPr id="5" name="Content Placeholder 4" descr="A picture containing text, iPod, screenshot&#10;&#10;Description automatically generated">
@@ -6094,13 +6090,13 @@
           <a:p>
             <a:r>
               <a:rPr lang="en-US" dirty="0"/>
-              <a:t>See vote statistics and thank you confirmation</a:t>
+              <a:t>See votes statistics and a thank you confirmation.</a:t>
             </a:r>
           </a:p>
           <a:p>
             <a:r>
               <a:rPr lang="en-US" dirty="0"/>
-              <a:t>When its time for next song selection  you will be notified and transfer back</a:t>
+              <a:t>When its time for voting again (for the next song) you will be notified and redirected back</a:t>
             </a:r>
           </a:p>
         </p:txBody>
@@ -6655,6 +6651,801 @@
 </p:sld>
 </file>
 
+<file path=ppt/slides/slide17.xml><?xml version="1.0" encoding="utf-8"?>
+<p:sld xmlns:a="http://schemas.openxmlformats.org/drawingml/2006/main" xmlns:r="http://schemas.openxmlformats.org/officeDocument/2006/relationships" xmlns:p="http://schemas.openxmlformats.org/presentationml/2006/main">
+  <p:cSld>
+    <p:bg>
+      <p:bgPr>
+        <a:solidFill>
+          <a:schemeClr val="bg2"/>
+        </a:solidFill>
+        <a:effectLst/>
+      </p:bgPr>
+    </p:bg>
+    <p:spTree>
+      <p:nvGrpSpPr>
+        <p:cNvPr id="1" name=""/>
+        <p:cNvGrpSpPr/>
+        <p:nvPr/>
+      </p:nvGrpSpPr>
+      <p:grpSpPr>
+        <a:xfrm>
+          <a:off x="0" y="0"/>
+          <a:ext cx="0" cy="0"/>
+          <a:chOff x="0" y="0"/>
+          <a:chExt cx="0" cy="0"/>
+        </a:xfrm>
+      </p:grpSpPr>
+      <p:sp useBgFill="1">
+        <p:nvSpPr>
+          <p:cNvPr id="27" name="Rectangle 11">
+            <a:extLst>
+              <a:ext uri="{FF2B5EF4-FFF2-40B4-BE49-F238E27FC236}">
+                <a16:creationId xmlns:a16="http://schemas.microsoft.com/office/drawing/2014/main" id="{1D868099-6145-4BC0-A5EA-74BEF1776BA9}"/>
+              </a:ext>
+              <a:ext uri="{C183D7F6-B498-43B3-948B-1728B52AA6E4}">
+                <adec:decorative xmlns:adec="http://schemas.microsoft.com/office/drawing/2017/decorative" val="1"/>
+              </a:ext>
+            </a:extLst>
+          </p:cNvPr>
+          <p:cNvSpPr>
+            <a:spLocks noGrp="1" noRot="1" noChangeAspect="1" noMove="1" noResize="1" noEditPoints="1" noAdjustHandles="1" noChangeArrowheads="1" noChangeShapeType="1" noTextEdit="1"/>
+          </p:cNvSpPr>
+          <p:nvPr>
+            <p:extLst>
+              <p:ext uri="{386F3935-93C4-4BCD-93E2-E3B085C9AB24}">
+                <p16:designElem xmlns:p16="http://schemas.microsoft.com/office/powerpoint/2015/main" val="1"/>
+              </p:ext>
+            </p:extLst>
+          </p:nvPr>
+        </p:nvSpPr>
+        <p:spPr>
+          <a:xfrm>
+            <a:off x="0" y="0"/>
+            <a:ext cx="12192000" cy="6858000"/>
+          </a:xfrm>
+          <a:prstGeom prst="rect">
+            <a:avLst/>
+          </a:prstGeom>
+          <a:ln>
+            <a:noFill/>
+          </a:ln>
+        </p:spPr>
+        <p:style>
+          <a:lnRef idx="2">
+            <a:schemeClr val="accent1">
+              <a:shade val="50000"/>
+            </a:schemeClr>
+          </a:lnRef>
+          <a:fillRef idx="1">
+            <a:schemeClr val="accent1"/>
+          </a:fillRef>
+          <a:effectRef idx="0">
+            <a:schemeClr val="accent1"/>
+          </a:effectRef>
+          <a:fontRef idx="minor">
+            <a:schemeClr val="lt1"/>
+          </a:fontRef>
+        </p:style>
+        <p:txBody>
+          <a:bodyPr rtlCol="0" anchor="ctr"/>
+          <a:lstStyle/>
+          <a:p>
+            <a:pPr algn="ctr"/>
+            <a:endParaRPr lang="en-US"/>
+          </a:p>
+        </p:txBody>
+      </p:sp>
+      <p:sp>
+        <p:nvSpPr>
+          <p:cNvPr id="2" name="Title 1">
+            <a:extLst>
+              <a:ext uri="{FF2B5EF4-FFF2-40B4-BE49-F238E27FC236}">
+                <a16:creationId xmlns:a16="http://schemas.microsoft.com/office/drawing/2014/main" id="{7F2577D5-7DAB-63E1-5207-2D0EC1CE0463}"/>
+              </a:ext>
+            </a:extLst>
+          </p:cNvPr>
+          <p:cNvSpPr>
+            <a:spLocks noGrp="1"/>
+          </p:cNvSpPr>
+          <p:nvPr>
+            <p:ph type="title"/>
+          </p:nvPr>
+        </p:nvSpPr>
+        <p:spPr>
+          <a:xfrm>
+            <a:off x="8471424" y="1110883"/>
+            <a:ext cx="3053039" cy="535038"/>
+          </a:xfrm>
+        </p:spPr>
+        <p:txBody>
+          <a:bodyPr anchor="b">
+            <a:normAutofit/>
+          </a:bodyPr>
+          <a:lstStyle/>
+          <a:p>
+            <a:r>
+              <a:rPr lang="en-IL" sz="2800" dirty="0"/>
+              <a:t>Host – Log in Page</a:t>
+            </a:r>
+          </a:p>
+        </p:txBody>
+      </p:sp>
+      <p:pic>
+        <p:nvPicPr>
+          <p:cNvPr id="5" name="Content Placeholder 4" descr="Graphical user interface&#10;&#10;Description automatically generated">
+            <a:extLst>
+              <a:ext uri="{FF2B5EF4-FFF2-40B4-BE49-F238E27FC236}">
+                <a16:creationId xmlns:a16="http://schemas.microsoft.com/office/drawing/2014/main" id="{D01EA819-CEB5-6BE2-BF52-7AF0991C7BB4}"/>
+              </a:ext>
+            </a:extLst>
+          </p:cNvPr>
+          <p:cNvPicPr>
+            <a:picLocks noChangeAspect="1"/>
+          </p:cNvPicPr>
+          <p:nvPr/>
+        </p:nvPicPr>
+        <p:blipFill>
+          <a:blip r:embed="rId2"/>
+          <a:stretch>
+            <a:fillRect/>
+          </a:stretch>
+        </p:blipFill>
+        <p:spPr>
+          <a:xfrm>
+            <a:off x="634275" y="1151875"/>
+            <a:ext cx="6900380" cy="4554249"/>
+          </a:xfrm>
+          <a:prstGeom prst="rect">
+            <a:avLst/>
+          </a:prstGeom>
+        </p:spPr>
+      </p:pic>
+      <p:sp>
+        <p:nvSpPr>
+          <p:cNvPr id="9" name="Content Placeholder 8">
+            <a:extLst>
+              <a:ext uri="{FF2B5EF4-FFF2-40B4-BE49-F238E27FC236}">
+                <a16:creationId xmlns:a16="http://schemas.microsoft.com/office/drawing/2014/main" id="{F60680DA-8D2B-F3E5-1E85-629C4FC3B3EF}"/>
+              </a:ext>
+            </a:extLst>
+          </p:cNvPr>
+          <p:cNvSpPr>
+            <a:spLocks noGrp="1"/>
+          </p:cNvSpPr>
+          <p:nvPr>
+            <p:ph idx="1"/>
+          </p:nvPr>
+        </p:nvSpPr>
+        <p:spPr>
+          <a:xfrm>
+            <a:off x="8471423" y="1815197"/>
+            <a:ext cx="3053039" cy="3931920"/>
+          </a:xfrm>
+        </p:spPr>
+        <p:txBody>
+          <a:bodyPr>
+            <a:normAutofit/>
+          </a:bodyPr>
+          <a:lstStyle/>
+          <a:p>
+            <a:r>
+              <a:rPr lang="en-US" sz="1600" dirty="0"/>
+              <a:t>Log in as a host via Member Subscription</a:t>
+            </a:r>
+          </a:p>
+          <a:p>
+            <a:r>
+              <a:rPr lang="en-US" sz="1600" dirty="0"/>
+              <a:t>Cannot Sign up</a:t>
+            </a:r>
+          </a:p>
+          <a:p>
+            <a:endParaRPr lang="en-US" sz="1600" dirty="0"/>
+          </a:p>
+        </p:txBody>
+      </p:sp>
+      <p:sp>
+        <p:nvSpPr>
+          <p:cNvPr id="14" name="Freeform 6">
+            <a:extLst>
+              <a:ext uri="{FF2B5EF4-FFF2-40B4-BE49-F238E27FC236}">
+                <a16:creationId xmlns:a16="http://schemas.microsoft.com/office/drawing/2014/main" id="{CC1026F7-DECB-49B4-A565-518BBA445471}"/>
+              </a:ext>
+              <a:ext uri="{C183D7F6-B498-43B3-948B-1728B52AA6E4}">
+                <adec:decorative xmlns:adec="http://schemas.microsoft.com/office/drawing/2017/decorative" val="1"/>
+              </a:ext>
+            </a:extLst>
+          </p:cNvPr>
+          <p:cNvSpPr>
+            <a:spLocks noGrp="1" noRot="1" noChangeAspect="1" noMove="1" noResize="1" noEditPoints="1" noAdjustHandles="1" noChangeArrowheads="1" noChangeShapeType="1" noTextEdit="1"/>
+          </p:cNvSpPr>
+          <p:nvPr>
+            <p:extLst>
+              <p:ext uri="{386F3935-93C4-4BCD-93E2-E3B085C9AB24}">
+                <p16:designElem xmlns:p16="http://schemas.microsoft.com/office/powerpoint/2015/main" val="1"/>
+              </p:ext>
+            </p:extLst>
+          </p:nvPr>
+        </p:nvSpPr>
+        <p:spPr bwMode="auto">
+          <a:xfrm flipH="1" flipV="1">
+            <a:off x="7983434" y="640080"/>
+            <a:ext cx="2296028" cy="3674981"/>
+          </a:xfrm>
+          <a:custGeom>
+            <a:avLst/>
+            <a:gdLst/>
+            <a:ahLst/>
+            <a:cxnLst/>
+            <a:rect l="l" t="t" r="r" b="b"/>
+            <a:pathLst>
+              <a:path w="10002" h="10000">
+                <a:moveTo>
+                  <a:pt x="8763" y="0"/>
+                </a:moveTo>
+                <a:lnTo>
+                  <a:pt x="10002" y="0"/>
+                </a:lnTo>
+                <a:lnTo>
+                  <a:pt x="10002" y="10000"/>
+                </a:lnTo>
+                <a:lnTo>
+                  <a:pt x="2" y="10000"/>
+                </a:lnTo>
+                <a:cubicBezTo>
+                  <a:pt x="-2" y="9698"/>
+                  <a:pt x="4" y="9427"/>
+                  <a:pt x="0" y="9125"/>
+                </a:cubicBezTo>
+                <a:lnTo>
+                  <a:pt x="8763" y="9128"/>
+                </a:lnTo>
+                <a:lnTo>
+                  <a:pt x="8763" y="0"/>
+                </a:lnTo>
+                <a:close/>
+              </a:path>
+            </a:pathLst>
+          </a:custGeom>
+          <a:solidFill>
+            <a:schemeClr val="tx2"/>
+          </a:solidFill>
+          <a:ln w="0">
+            <a:noFill/>
+            <a:prstDash val="solid"/>
+            <a:round/>
+            <a:headEnd/>
+            <a:tailEnd/>
+          </a:ln>
+        </p:spPr>
+      </p:sp>
+    </p:spTree>
+    <p:extLst>
+      <p:ext uri="{BB962C8B-B14F-4D97-AF65-F5344CB8AC3E}">
+        <p14:creationId xmlns:p14="http://schemas.microsoft.com/office/powerpoint/2010/main" val="2874181050"/>
+      </p:ext>
+    </p:extLst>
+  </p:cSld>
+  <p:clrMapOvr>
+    <a:masterClrMapping/>
+  </p:clrMapOvr>
+</p:sld>
+</file>
+
+<file path=ppt/slides/slide18.xml><?xml version="1.0" encoding="utf-8"?>
+<p:sld xmlns:a="http://schemas.openxmlformats.org/drawingml/2006/main" xmlns:r="http://schemas.openxmlformats.org/officeDocument/2006/relationships" xmlns:p="http://schemas.openxmlformats.org/presentationml/2006/main">
+  <p:cSld>
+    <p:bg>
+      <p:bgPr>
+        <a:solidFill>
+          <a:schemeClr val="bg2"/>
+        </a:solidFill>
+        <a:effectLst/>
+      </p:bgPr>
+    </p:bg>
+    <p:spTree>
+      <p:nvGrpSpPr>
+        <p:cNvPr id="1" name=""/>
+        <p:cNvGrpSpPr/>
+        <p:nvPr/>
+      </p:nvGrpSpPr>
+      <p:grpSpPr>
+        <a:xfrm>
+          <a:off x="0" y="0"/>
+          <a:ext cx="0" cy="0"/>
+          <a:chOff x="0" y="0"/>
+          <a:chExt cx="0" cy="0"/>
+        </a:xfrm>
+      </p:grpSpPr>
+      <p:sp>
+        <p:nvSpPr>
+          <p:cNvPr id="2" name="Title 1">
+            <a:extLst>
+              <a:ext uri="{FF2B5EF4-FFF2-40B4-BE49-F238E27FC236}">
+                <a16:creationId xmlns:a16="http://schemas.microsoft.com/office/drawing/2014/main" id="{99FD3EC1-10F1-6B9A-F527-7F24B87A2781}"/>
+              </a:ext>
+            </a:extLst>
+          </p:cNvPr>
+          <p:cNvSpPr>
+            <a:spLocks noGrp="1"/>
+          </p:cNvSpPr>
+          <p:nvPr>
+            <p:ph type="title"/>
+          </p:nvPr>
+        </p:nvSpPr>
+        <p:spPr>
+          <a:xfrm>
+            <a:off x="1074064" y="643078"/>
+            <a:ext cx="3282695" cy="1485900"/>
+          </a:xfrm>
+        </p:spPr>
+        <p:txBody>
+          <a:bodyPr>
+            <a:normAutofit/>
+          </a:bodyPr>
+          <a:lstStyle/>
+          <a:p>
+            <a:r>
+              <a:rPr lang="en-IL" dirty="0"/>
+              <a:t>Host –</a:t>
+            </a:r>
+            <a:br>
+              <a:rPr lang="en-IL" dirty="0"/>
+            </a:br>
+            <a:r>
+              <a:rPr lang="en-IL" dirty="0"/>
+              <a:t>Dashboard</a:t>
+            </a:r>
+          </a:p>
+        </p:txBody>
+      </p:sp>
+      <p:sp>
+        <p:nvSpPr>
+          <p:cNvPr id="9" name="Content Placeholder 8">
+            <a:extLst>
+              <a:ext uri="{FF2B5EF4-FFF2-40B4-BE49-F238E27FC236}">
+                <a16:creationId xmlns:a16="http://schemas.microsoft.com/office/drawing/2014/main" id="{B03F5CE8-E975-80FA-D1AB-D4B2D2549009}"/>
+              </a:ext>
+            </a:extLst>
+          </p:cNvPr>
+          <p:cNvSpPr>
+            <a:spLocks noGrp="1"/>
+          </p:cNvSpPr>
+          <p:nvPr>
+            <p:ph idx="1"/>
+          </p:nvPr>
+        </p:nvSpPr>
+        <p:spPr>
+          <a:xfrm>
+            <a:off x="1074064" y="2286000"/>
+            <a:ext cx="3282694" cy="3581400"/>
+          </a:xfrm>
+        </p:spPr>
+        <p:txBody>
+          <a:bodyPr>
+            <a:normAutofit/>
+          </a:bodyPr>
+          <a:lstStyle/>
+          <a:p>
+            <a:r>
+              <a:rPr lang="en-US" dirty="0"/>
+              <a:t>Current Song playing</a:t>
+            </a:r>
+          </a:p>
+          <a:p>
+            <a:r>
+              <a:rPr lang="en-US" dirty="0"/>
+              <a:t>Active Users</a:t>
+            </a:r>
+          </a:p>
+          <a:p>
+            <a:r>
+              <a:rPr lang="en-US" dirty="0"/>
+              <a:t>Edit next Picks</a:t>
+            </a:r>
+          </a:p>
+          <a:p>
+            <a:r>
+              <a:rPr lang="en-US" dirty="0"/>
+              <a:t>See Current Voting </a:t>
+            </a:r>
+          </a:p>
+          <a:p>
+            <a:r>
+              <a:rPr lang="en-US" dirty="0"/>
+              <a:t>Manage Music</a:t>
+            </a:r>
+          </a:p>
+          <a:p>
+            <a:r>
+              <a:rPr lang="en-US" dirty="0"/>
+              <a:t>Send Users a message</a:t>
+            </a:r>
+          </a:p>
+          <a:p>
+            <a:r>
+              <a:rPr lang="en-US" dirty="0"/>
+              <a:t>Start/Stop Session</a:t>
+            </a:r>
+          </a:p>
+          <a:p>
+            <a:r>
+              <a:rPr lang="en-US" dirty="0"/>
+              <a:t>And More to come…</a:t>
+            </a:r>
+          </a:p>
+        </p:txBody>
+      </p:sp>
+      <p:pic>
+        <p:nvPicPr>
+          <p:cNvPr id="5" name="Content Placeholder 4" descr="Graphical user interface, application, Teams&#10;&#10;Description automatically generated">
+            <a:extLst>
+              <a:ext uri="{FF2B5EF4-FFF2-40B4-BE49-F238E27FC236}">
+                <a16:creationId xmlns:a16="http://schemas.microsoft.com/office/drawing/2014/main" id="{020F02EB-CDD5-5004-3FFC-E8C95EC769CA}"/>
+              </a:ext>
+            </a:extLst>
+          </p:cNvPr>
+          <p:cNvPicPr>
+            <a:picLocks noChangeAspect="1"/>
+          </p:cNvPicPr>
+          <p:nvPr/>
+        </p:nvPicPr>
+        <p:blipFill>
+          <a:blip r:embed="rId2"/>
+          <a:stretch>
+            <a:fillRect/>
+          </a:stretch>
+        </p:blipFill>
+        <p:spPr>
+          <a:xfrm>
+            <a:off x="4356758" y="833578"/>
+            <a:ext cx="7835241" cy="5190844"/>
+          </a:xfrm>
+          <a:prstGeom prst="rect">
+            <a:avLst/>
+          </a:prstGeom>
+        </p:spPr>
+      </p:pic>
+    </p:spTree>
+    <p:extLst>
+      <p:ext uri="{BB962C8B-B14F-4D97-AF65-F5344CB8AC3E}">
+        <p14:creationId xmlns:p14="http://schemas.microsoft.com/office/powerpoint/2010/main" val="345740735"/>
+      </p:ext>
+    </p:extLst>
+  </p:cSld>
+  <p:clrMapOvr>
+    <a:masterClrMapping/>
+  </p:clrMapOvr>
+</p:sld>
+</file>
+
+<file path=ppt/slides/slide19.xml><?xml version="1.0" encoding="utf-8"?>
+<p:sld xmlns:a="http://schemas.openxmlformats.org/drawingml/2006/main" xmlns:r="http://schemas.openxmlformats.org/officeDocument/2006/relationships" xmlns:p="http://schemas.openxmlformats.org/presentationml/2006/main">
+  <p:cSld>
+    <p:bg>
+      <p:bgPr>
+        <a:solidFill>
+          <a:schemeClr val="bg2"/>
+        </a:solidFill>
+        <a:effectLst/>
+      </p:bgPr>
+    </p:bg>
+    <p:spTree>
+      <p:nvGrpSpPr>
+        <p:cNvPr id="1" name=""/>
+        <p:cNvGrpSpPr/>
+        <p:nvPr/>
+      </p:nvGrpSpPr>
+      <p:grpSpPr>
+        <a:xfrm>
+          <a:off x="0" y="0"/>
+          <a:ext cx="0" cy="0"/>
+          <a:chOff x="0" y="0"/>
+          <a:chExt cx="0" cy="0"/>
+        </a:xfrm>
+      </p:grpSpPr>
+      <p:sp>
+        <p:nvSpPr>
+          <p:cNvPr id="10" name="Rectangle 9">
+            <a:extLst>
+              <a:ext uri="{FF2B5EF4-FFF2-40B4-BE49-F238E27FC236}">
+                <a16:creationId xmlns:a16="http://schemas.microsoft.com/office/drawing/2014/main" id="{AA6EC888-B85F-410F-B430-06583E94BEEC}"/>
+              </a:ext>
+              <a:ext uri="{C183D7F6-B498-43B3-948B-1728B52AA6E4}">
+                <adec:decorative xmlns:adec="http://schemas.microsoft.com/office/drawing/2017/decorative" val="1"/>
+              </a:ext>
+            </a:extLst>
+          </p:cNvPr>
+          <p:cNvSpPr>
+            <a:spLocks noGrp="1" noRot="1" noChangeAspect="1" noMove="1" noResize="1" noEditPoints="1" noAdjustHandles="1" noChangeArrowheads="1" noChangeShapeType="1" noTextEdit="1"/>
+          </p:cNvSpPr>
+          <p:nvPr>
+            <p:extLst>
+              <p:ext uri="{386F3935-93C4-4BCD-93E2-E3B085C9AB24}">
+                <p16:designElem xmlns:p16="http://schemas.microsoft.com/office/powerpoint/2015/main" val="1"/>
+              </p:ext>
+            </p:extLst>
+          </p:nvPr>
+        </p:nvSpPr>
+        <p:spPr>
+          <a:xfrm>
+            <a:off x="478095" y="376"/>
+            <a:ext cx="228600" cy="6858000"/>
+          </a:xfrm>
+          <a:prstGeom prst="rect">
+            <a:avLst/>
+          </a:prstGeom>
+          <a:solidFill>
+            <a:schemeClr val="tx2"/>
+          </a:solidFill>
+          <a:ln>
+            <a:noFill/>
+          </a:ln>
+        </p:spPr>
+        <p:style>
+          <a:lnRef idx="2">
+            <a:schemeClr val="accent1">
+              <a:shade val="50000"/>
+            </a:schemeClr>
+          </a:lnRef>
+          <a:fillRef idx="1">
+            <a:schemeClr val="accent1"/>
+          </a:fillRef>
+          <a:effectRef idx="0">
+            <a:schemeClr val="accent1"/>
+          </a:effectRef>
+          <a:fontRef idx="minor">
+            <a:schemeClr val="lt1"/>
+          </a:fontRef>
+        </p:style>
+      </p:sp>
+      <p:sp>
+        <p:nvSpPr>
+          <p:cNvPr id="16" name="Rectangle 11">
+            <a:extLst>
+              <a:ext uri="{FF2B5EF4-FFF2-40B4-BE49-F238E27FC236}">
+                <a16:creationId xmlns:a16="http://schemas.microsoft.com/office/drawing/2014/main" id="{69805AF4-7989-43AB-9A60-14E3F851FB30}"/>
+              </a:ext>
+              <a:ext uri="{C183D7F6-B498-43B3-948B-1728B52AA6E4}">
+                <adec:decorative xmlns:adec="http://schemas.microsoft.com/office/drawing/2017/decorative" val="1"/>
+              </a:ext>
+            </a:extLst>
+          </p:cNvPr>
+          <p:cNvSpPr>
+            <a:spLocks noGrp="1" noRot="1" noChangeAspect="1" noMove="1" noResize="1" noEditPoints="1" noAdjustHandles="1" noChangeArrowheads="1" noChangeShapeType="1" noTextEdit="1"/>
+          </p:cNvSpPr>
+          <p:nvPr>
+            <p:extLst>
+              <p:ext uri="{386F3935-93C4-4BCD-93E2-E3B085C9AB24}">
+                <p16:designElem xmlns:p16="http://schemas.microsoft.com/office/powerpoint/2015/main" val="1"/>
+              </p:ext>
+            </p:extLst>
+          </p:nvPr>
+        </p:nvSpPr>
+        <p:spPr>
+          <a:xfrm>
+            <a:off x="0" y="0"/>
+            <a:ext cx="12192000" cy="6858000"/>
+          </a:xfrm>
+          <a:prstGeom prst="rect">
+            <a:avLst/>
+          </a:prstGeom>
+          <a:solidFill>
+            <a:srgbClr val="58353F"/>
+          </a:solidFill>
+          <a:ln>
+            <a:noFill/>
+          </a:ln>
+        </p:spPr>
+        <p:style>
+          <a:lnRef idx="2">
+            <a:schemeClr val="accent1">
+              <a:shade val="50000"/>
+            </a:schemeClr>
+          </a:lnRef>
+          <a:fillRef idx="1">
+            <a:schemeClr val="accent1"/>
+          </a:fillRef>
+          <a:effectRef idx="0">
+            <a:schemeClr val="accent1"/>
+          </a:effectRef>
+          <a:fontRef idx="minor">
+            <a:schemeClr val="lt1"/>
+          </a:fontRef>
+        </p:style>
+        <p:txBody>
+          <a:bodyPr rtlCol="0" anchor="ctr"/>
+          <a:lstStyle/>
+          <a:p>
+            <a:pPr algn="ctr"/>
+            <a:endParaRPr lang="en-US"/>
+          </a:p>
+        </p:txBody>
+      </p:sp>
+      <p:sp>
+        <p:nvSpPr>
+          <p:cNvPr id="17" name="Rectangle 13">
+            <a:extLst>
+              <a:ext uri="{FF2B5EF4-FFF2-40B4-BE49-F238E27FC236}">
+                <a16:creationId xmlns:a16="http://schemas.microsoft.com/office/drawing/2014/main" id="{E0036B63-B0EC-4AF3-95D3-2E2DCA25FBC6}"/>
+              </a:ext>
+              <a:ext uri="{C183D7F6-B498-43B3-948B-1728B52AA6E4}">
+                <adec:decorative xmlns:adec="http://schemas.microsoft.com/office/drawing/2017/decorative" val="1"/>
+              </a:ext>
+            </a:extLst>
+          </p:cNvPr>
+          <p:cNvSpPr>
+            <a:spLocks noGrp="1" noRot="1" noChangeAspect="1" noMove="1" noResize="1" noEditPoints="1" noAdjustHandles="1" noChangeArrowheads="1" noChangeShapeType="1" noTextEdit="1"/>
+          </p:cNvSpPr>
+          <p:nvPr>
+            <p:extLst>
+              <p:ext uri="{386F3935-93C4-4BCD-93E2-E3B085C9AB24}">
+                <p16:designElem xmlns:p16="http://schemas.microsoft.com/office/powerpoint/2015/main" val="1"/>
+              </p:ext>
+            </p:extLst>
+          </p:nvPr>
+        </p:nvSpPr>
+        <p:spPr>
+          <a:xfrm>
+            <a:off x="477012" y="480060"/>
+            <a:ext cx="11237976" cy="5897880"/>
+          </a:xfrm>
+          <a:prstGeom prst="rect">
+            <a:avLst/>
+          </a:prstGeom>
+          <a:solidFill>
+            <a:srgbClr val="FFFFFF"/>
+          </a:solidFill>
+          <a:ln>
+            <a:noFill/>
+          </a:ln>
+        </p:spPr>
+        <p:style>
+          <a:lnRef idx="2">
+            <a:schemeClr val="accent1">
+              <a:shade val="50000"/>
+            </a:schemeClr>
+          </a:lnRef>
+          <a:fillRef idx="1">
+            <a:schemeClr val="accent1"/>
+          </a:fillRef>
+          <a:effectRef idx="0">
+            <a:schemeClr val="accent1"/>
+          </a:effectRef>
+          <a:fontRef idx="minor">
+            <a:schemeClr val="lt1"/>
+          </a:fontRef>
+        </p:style>
+        <p:txBody>
+          <a:bodyPr rtlCol="0" anchor="ctr"/>
+          <a:lstStyle/>
+          <a:p>
+            <a:pPr algn="ctr"/>
+            <a:endParaRPr lang="en-US"/>
+          </a:p>
+        </p:txBody>
+      </p:sp>
+      <p:pic>
+        <p:nvPicPr>
+          <p:cNvPr id="5" name="Content Placeholder 4" descr="Graphical user interface, application&#10;&#10;Description automatically generated">
+            <a:extLst>
+              <a:ext uri="{FF2B5EF4-FFF2-40B4-BE49-F238E27FC236}">
+                <a16:creationId xmlns:a16="http://schemas.microsoft.com/office/drawing/2014/main" id="{9D90C70F-28FE-3404-6349-10CCEDEDC06F}"/>
+              </a:ext>
+            </a:extLst>
+          </p:cNvPr>
+          <p:cNvPicPr>
+            <a:picLocks noGrp="1" noChangeAspect="1"/>
+          </p:cNvPicPr>
+          <p:nvPr>
+            <p:ph idx="1"/>
+          </p:nvPr>
+        </p:nvPicPr>
+        <p:blipFill>
+          <a:blip r:embed="rId2"/>
+          <a:stretch>
+            <a:fillRect/>
+          </a:stretch>
+        </p:blipFill>
+        <p:spPr>
+          <a:xfrm>
+            <a:off x="592395" y="800099"/>
+            <a:ext cx="8215313" cy="5257801"/>
+          </a:xfrm>
+          <a:prstGeom prst="rect">
+            <a:avLst/>
+          </a:prstGeom>
+        </p:spPr>
+      </p:pic>
+      <p:sp>
+        <p:nvSpPr>
+          <p:cNvPr id="6" name="TextBox 5">
+            <a:extLst>
+              <a:ext uri="{FF2B5EF4-FFF2-40B4-BE49-F238E27FC236}">
+                <a16:creationId xmlns:a16="http://schemas.microsoft.com/office/drawing/2014/main" id="{4AB17BD8-61E6-2AEA-6AEA-79F9690CE31B}"/>
+              </a:ext>
+            </a:extLst>
+          </p:cNvPr>
+          <p:cNvSpPr txBox="1"/>
+          <p:nvPr/>
+        </p:nvSpPr>
+        <p:spPr>
+          <a:xfrm>
+            <a:off x="9044247" y="847898"/>
+            <a:ext cx="2460568" cy="3231654"/>
+          </a:xfrm>
+          <a:prstGeom prst="rect">
+            <a:avLst/>
+          </a:prstGeom>
+          <a:noFill/>
+        </p:spPr>
+        <p:txBody>
+          <a:bodyPr wrap="square" rtlCol="0">
+            <a:spAutoFit/>
+          </a:bodyPr>
+          <a:lstStyle/>
+          <a:p>
+            <a:r>
+              <a:rPr lang="en-IL" dirty="0"/>
+              <a:t>    </a:t>
+            </a:r>
+            <a:r>
+              <a:rPr lang="en-IL" sz="2400" dirty="0"/>
+              <a:t>Host – Profile</a:t>
+            </a:r>
+          </a:p>
+          <a:p>
+            <a:endParaRPr lang="en-IL" dirty="0"/>
+          </a:p>
+          <a:p>
+            <a:r>
+              <a:rPr lang="en-IL" dirty="0"/>
+              <a:t>Manage your personal data.</a:t>
+            </a:r>
+          </a:p>
+          <a:p>
+            <a:endParaRPr lang="en-IL" dirty="0"/>
+          </a:p>
+          <a:p>
+            <a:r>
+              <a:rPr lang="en-IL" dirty="0"/>
+              <a:t>Change profile pic</a:t>
+            </a:r>
+          </a:p>
+          <a:p>
+            <a:endParaRPr lang="en-IL" dirty="0"/>
+          </a:p>
+          <a:p>
+            <a:r>
+              <a:rPr lang="en-IL" dirty="0"/>
+              <a:t>Change profile name</a:t>
+            </a:r>
+          </a:p>
+          <a:p>
+            <a:endParaRPr lang="en-IL" dirty="0"/>
+          </a:p>
+          <a:p>
+            <a:r>
+              <a:rPr lang="en-IL" dirty="0"/>
+              <a:t>Generate a password for your session.</a:t>
+            </a:r>
+          </a:p>
+        </p:txBody>
+      </p:sp>
+    </p:spTree>
+    <p:extLst>
+      <p:ext uri="{BB962C8B-B14F-4D97-AF65-F5344CB8AC3E}">
+        <p14:creationId xmlns:p14="http://schemas.microsoft.com/office/powerpoint/2010/main" val="1198727402"/>
+      </p:ext>
+    </p:extLst>
+  </p:cSld>
+  <p:clrMapOvr>
+    <a:masterClrMapping/>
+  </p:clrMapOvr>
+</p:sld>
+</file>
+
 <file path=ppt/slides/slide2.xml><?xml version="1.0" encoding="utf-8"?>
 <p:sld xmlns:a="http://schemas.openxmlformats.org/drawingml/2006/main" xmlns:r="http://schemas.openxmlformats.org/officeDocument/2006/relationships" xmlns:p="http://schemas.openxmlformats.org/presentationml/2006/main">
   <p:cSld>
@@ -6936,6 +7727,217 @@
     <p:extLst>
       <p:ext uri="{BB962C8B-B14F-4D97-AF65-F5344CB8AC3E}">
         <p14:creationId xmlns:p14="http://schemas.microsoft.com/office/powerpoint/2010/main" val="2380527420"/>
+      </p:ext>
+    </p:extLst>
+  </p:cSld>
+  <p:clrMapOvr>
+    <a:masterClrMapping/>
+  </p:clrMapOvr>
+</p:sld>
+</file>
+
+<file path=ppt/slides/slide20.xml><?xml version="1.0" encoding="utf-8"?>
+<p:sld xmlns:a="http://schemas.openxmlformats.org/drawingml/2006/main" xmlns:r="http://schemas.openxmlformats.org/officeDocument/2006/relationships" xmlns:p="http://schemas.openxmlformats.org/presentationml/2006/main">
+  <p:cSld>
+    <p:bg>
+      <p:bgPr>
+        <a:solidFill>
+          <a:schemeClr val="bg2"/>
+        </a:solidFill>
+        <a:effectLst/>
+      </p:bgPr>
+    </p:bg>
+    <p:spTree>
+      <p:nvGrpSpPr>
+        <p:cNvPr id="1" name=""/>
+        <p:cNvGrpSpPr/>
+        <p:nvPr/>
+      </p:nvGrpSpPr>
+      <p:grpSpPr>
+        <a:xfrm>
+          <a:off x="0" y="0"/>
+          <a:ext cx="0" cy="0"/>
+          <a:chOff x="0" y="0"/>
+          <a:chExt cx="0" cy="0"/>
+        </a:xfrm>
+      </p:grpSpPr>
+      <p:sp>
+        <p:nvSpPr>
+          <p:cNvPr id="2" name="Title 1">
+            <a:extLst>
+              <a:ext uri="{FF2B5EF4-FFF2-40B4-BE49-F238E27FC236}">
+                <a16:creationId xmlns:a16="http://schemas.microsoft.com/office/drawing/2014/main" id="{E5ED77BE-878C-39B4-3052-1F0D9AF82C0E}"/>
+              </a:ext>
+            </a:extLst>
+          </p:cNvPr>
+          <p:cNvSpPr>
+            <a:spLocks noGrp="1"/>
+          </p:cNvSpPr>
+          <p:nvPr>
+            <p:ph type="title"/>
+          </p:nvPr>
+        </p:nvSpPr>
+        <p:spPr>
+          <a:xfrm>
+            <a:off x="8259678" y="652549"/>
+            <a:ext cx="3656419" cy="1485900"/>
+          </a:xfrm>
+        </p:spPr>
+        <p:txBody>
+          <a:bodyPr>
+            <a:normAutofit/>
+          </a:bodyPr>
+          <a:lstStyle/>
+          <a:p>
+            <a:r>
+              <a:rPr lang="en-IL" dirty="0"/>
+              <a:t>Music - Dashboard</a:t>
+            </a:r>
+          </a:p>
+        </p:txBody>
+      </p:sp>
+      <p:sp>
+        <p:nvSpPr>
+          <p:cNvPr id="12" name="Rectangle 11">
+            <a:extLst>
+              <a:ext uri="{FF2B5EF4-FFF2-40B4-BE49-F238E27FC236}">
+                <a16:creationId xmlns:a16="http://schemas.microsoft.com/office/drawing/2014/main" id="{BEC9E7FA-3295-45ED-8253-D23F9E44E1DA}"/>
+              </a:ext>
+              <a:ext uri="{C183D7F6-B498-43B3-948B-1728B52AA6E4}">
+                <adec:decorative xmlns:adec="http://schemas.microsoft.com/office/drawing/2017/decorative" val="1"/>
+              </a:ext>
+            </a:extLst>
+          </p:cNvPr>
+          <p:cNvSpPr>
+            <a:spLocks noGrp="1" noRot="1" noChangeAspect="1" noMove="1" noResize="1" noEditPoints="1" noAdjustHandles="1" noChangeArrowheads="1" noChangeShapeType="1" noTextEdit="1"/>
+          </p:cNvSpPr>
+          <p:nvPr>
+            <p:extLst>
+              <p:ext uri="{386F3935-93C4-4BCD-93E2-E3B085C9AB24}">
+                <p16:designElem xmlns:p16="http://schemas.microsoft.com/office/powerpoint/2015/main" val="1"/>
+              </p:ext>
+            </p:extLst>
+          </p:nvPr>
+        </p:nvSpPr>
+        <p:spPr>
+          <a:xfrm>
+            <a:off x="478095" y="376"/>
+            <a:ext cx="228600" cy="6858000"/>
+          </a:xfrm>
+          <a:prstGeom prst="rect">
+            <a:avLst/>
+          </a:prstGeom>
+          <a:solidFill>
+            <a:schemeClr val="tx2"/>
+          </a:solidFill>
+          <a:ln>
+            <a:noFill/>
+          </a:ln>
+        </p:spPr>
+        <p:style>
+          <a:lnRef idx="2">
+            <a:schemeClr val="accent1">
+              <a:shade val="50000"/>
+            </a:schemeClr>
+          </a:lnRef>
+          <a:fillRef idx="1">
+            <a:schemeClr val="accent1"/>
+          </a:fillRef>
+          <a:effectRef idx="0">
+            <a:schemeClr val="accent1"/>
+          </a:effectRef>
+          <a:fontRef idx="minor">
+            <a:schemeClr val="lt1"/>
+          </a:fontRef>
+        </p:style>
+      </p:sp>
+      <p:pic>
+        <p:nvPicPr>
+          <p:cNvPr id="5" name="Content Placeholder 4" descr="Graphical user interface, table&#10;&#10;Description automatically generated">
+            <a:extLst>
+              <a:ext uri="{FF2B5EF4-FFF2-40B4-BE49-F238E27FC236}">
+                <a16:creationId xmlns:a16="http://schemas.microsoft.com/office/drawing/2014/main" id="{0FB08640-DFC3-32A6-798B-5A25208C47D3}"/>
+              </a:ext>
+            </a:extLst>
+          </p:cNvPr>
+          <p:cNvPicPr>
+            <a:picLocks noChangeAspect="1"/>
+          </p:cNvPicPr>
+          <p:nvPr/>
+        </p:nvPicPr>
+        <p:blipFill>
+          <a:blip r:embed="rId2"/>
+          <a:stretch>
+            <a:fillRect/>
+          </a:stretch>
+        </p:blipFill>
+        <p:spPr>
+          <a:xfrm>
+            <a:off x="843663" y="774469"/>
+            <a:ext cx="7279047" cy="4745182"/>
+          </a:xfrm>
+          <a:prstGeom prst="rect">
+            <a:avLst/>
+          </a:prstGeom>
+        </p:spPr>
+      </p:pic>
+      <p:sp>
+        <p:nvSpPr>
+          <p:cNvPr id="9" name="Content Placeholder 8">
+            <a:extLst>
+              <a:ext uri="{FF2B5EF4-FFF2-40B4-BE49-F238E27FC236}">
+                <a16:creationId xmlns:a16="http://schemas.microsoft.com/office/drawing/2014/main" id="{CAAEFA07-65A8-8BBE-7FB4-653CFF9D3DB0}"/>
+              </a:ext>
+            </a:extLst>
+          </p:cNvPr>
+          <p:cNvSpPr>
+            <a:spLocks noGrp="1"/>
+          </p:cNvSpPr>
+          <p:nvPr>
+            <p:ph idx="1"/>
+          </p:nvPr>
+        </p:nvSpPr>
+        <p:spPr>
+          <a:xfrm>
+            <a:off x="8259678" y="2269375"/>
+            <a:ext cx="3656419" cy="3581400"/>
+          </a:xfrm>
+        </p:spPr>
+        <p:txBody>
+          <a:bodyPr>
+            <a:normAutofit/>
+          </a:bodyPr>
+          <a:lstStyle/>
+          <a:p>
+            <a:r>
+              <a:rPr lang="en-US" dirty="0"/>
+              <a:t>Search for music you have uploaded</a:t>
+            </a:r>
+          </a:p>
+          <a:p>
+            <a:r>
+              <a:rPr lang="en-US" dirty="0"/>
+              <a:t>Manage music you have uploaded</a:t>
+            </a:r>
+          </a:p>
+          <a:p>
+            <a:r>
+              <a:rPr lang="en-US" dirty="0"/>
+              <a:t>Delete/Add Music</a:t>
+            </a:r>
+          </a:p>
+          <a:p>
+            <a:r>
+              <a:rPr lang="en-US" dirty="0"/>
+              <a:t>And more to come…</a:t>
+            </a:r>
+          </a:p>
+        </p:txBody>
+      </p:sp>
+    </p:spTree>
+    <p:extLst>
+      <p:ext uri="{BB962C8B-B14F-4D97-AF65-F5344CB8AC3E}">
+        <p14:creationId xmlns:p14="http://schemas.microsoft.com/office/powerpoint/2010/main" val="590733325"/>
       </p:ext>
     </p:extLst>
   </p:cSld>
@@ -7131,7 +8133,7 @@
             </a:pPr>
             <a:r>
               <a:rPr lang="en-US" dirty="0"/>
-              <a:t>1 Host (a bar, coffee house), Many Clients</a:t>
+              <a:t>1 Host (a bar, a coffee house), Many Clients</a:t>
             </a:r>
           </a:p>
           <a:p>
@@ -7150,7 +8152,15 @@
             </a:pPr>
             <a:r>
               <a:rPr lang="en-US" dirty="0"/>
-              <a:t>Crowd Control music. </a:t>
+              <a:t>Crowd-</a:t>
+            </a:r>
+            <a:r>
+              <a:rPr lang="en-US" dirty="0" err="1"/>
+              <a:t>Controled</a:t>
+            </a:r>
+            <a:r>
+              <a:rPr lang="en-US" dirty="0"/>
+              <a:t> music. </a:t>
             </a:r>
           </a:p>
           <a:p>
@@ -7188,7 +8198,7 @@
             </a:pPr>
             <a:r>
               <a:rPr lang="en-US" dirty="0"/>
-              <a:t>Music have never been so fun</a:t>
+              <a:t>Music has never been so fun</a:t>
             </a:r>
           </a:p>
         </p:txBody>
@@ -7866,12 +8876,65 @@
           </a:fontRef>
         </p:style>
       </p:sp>
+      <p:sp>
+        <p:nvSpPr>
+          <p:cNvPr id="18" name="Content Placeholder 8">
+            <a:extLst>
+              <a:ext uri="{FF2B5EF4-FFF2-40B4-BE49-F238E27FC236}">
+                <a16:creationId xmlns:a16="http://schemas.microsoft.com/office/drawing/2014/main" id="{2C477E56-5DF0-4298-AF96-CC002621C2EF}"/>
+              </a:ext>
+            </a:extLst>
+          </p:cNvPr>
+          <p:cNvSpPr>
+            <a:spLocks noGrp="1"/>
+          </p:cNvSpPr>
+          <p:nvPr>
+            <p:ph idx="1"/>
+          </p:nvPr>
+        </p:nvSpPr>
+        <p:spPr>
+          <a:xfrm>
+            <a:off x="4954181" y="2286000"/>
+            <a:ext cx="6562905" cy="3581400"/>
+          </a:xfrm>
+        </p:spPr>
+        <p:txBody>
+          <a:bodyPr>
+            <a:normAutofit/>
+          </a:bodyPr>
+          <a:lstStyle/>
+          <a:p>
+            <a:r>
+              <a:rPr lang="en-US" dirty="0"/>
+              <a:t>Light, Multi optional and friendly Welcome page.</a:t>
+            </a:r>
+          </a:p>
+          <a:p>
+            <a:r>
+              <a:rPr lang="en-US" dirty="0"/>
+              <a:t>Via Location – GPS Button.</a:t>
+            </a:r>
+          </a:p>
+          <a:p>
+            <a:r>
+              <a:rPr lang="en-US" dirty="0"/>
+              <a:t>Via Social Media.</a:t>
+            </a:r>
+          </a:p>
+          <a:p>
+            <a:r>
+              <a:rPr lang="en-US" dirty="0"/>
+              <a:t>Via Guest Mode.</a:t>
+            </a:r>
+          </a:p>
+        </p:txBody>
+      </p:sp>
       <p:pic>
         <p:nvPicPr>
-          <p:cNvPr id="5" name="Content Placeholder 4" descr="Graphical user interface, application&#10;&#10;Description automatically generated">
+          <p:cNvPr id="4" name="Picture 3" descr="Graphical user interface, application, Teams&#10;&#10;Description automatically generated">
             <a:extLst>
               <a:ext uri="{FF2B5EF4-FFF2-40B4-BE49-F238E27FC236}">
-                <a16:creationId xmlns:a16="http://schemas.microsoft.com/office/drawing/2014/main" id="{998B5989-FBBF-F44C-81B2-489EF65F4226}"/>
+                <a16:creationId xmlns:a16="http://schemas.microsoft.com/office/drawing/2014/main" id="{6C63E5F0-84EB-3D2F-5F35-02B1DA21CB86}"/>
               </a:ext>
             </a:extLst>
           </p:cNvPr>
@@ -7888,67 +8951,14 @@
         </p:blipFill>
         <p:spPr>
           <a:xfrm>
-            <a:off x="1498823" y="645106"/>
-            <a:ext cx="2663230" cy="5247747"/>
+            <a:off x="1414388" y="438150"/>
+            <a:ext cx="3037765" cy="5981700"/>
           </a:xfrm>
           <a:prstGeom prst="rect">
             <a:avLst/>
           </a:prstGeom>
         </p:spPr>
       </p:pic>
-      <p:sp>
-        <p:nvSpPr>
-          <p:cNvPr id="18" name="Content Placeholder 8">
-            <a:extLst>
-              <a:ext uri="{FF2B5EF4-FFF2-40B4-BE49-F238E27FC236}">
-                <a16:creationId xmlns:a16="http://schemas.microsoft.com/office/drawing/2014/main" id="{2C477E56-5DF0-4298-AF96-CC002621C2EF}"/>
-              </a:ext>
-            </a:extLst>
-          </p:cNvPr>
-          <p:cNvSpPr>
-            <a:spLocks noGrp="1"/>
-          </p:cNvSpPr>
-          <p:nvPr>
-            <p:ph idx="1"/>
-          </p:nvPr>
-        </p:nvSpPr>
-        <p:spPr>
-          <a:xfrm>
-            <a:off x="4954181" y="2286000"/>
-            <a:ext cx="6562905" cy="3581400"/>
-          </a:xfrm>
-        </p:spPr>
-        <p:txBody>
-          <a:bodyPr>
-            <a:normAutofit/>
-          </a:bodyPr>
-          <a:lstStyle/>
-          <a:p>
-            <a:r>
-              <a:rPr lang="en-US" dirty="0"/>
-              <a:t>Light, Multi optional and friendly Welcome page.</a:t>
-            </a:r>
-          </a:p>
-          <a:p>
-            <a:r>
-              <a:rPr lang="en-US" dirty="0"/>
-              <a:t>Via Location.</a:t>
-            </a:r>
-          </a:p>
-          <a:p>
-            <a:r>
-              <a:rPr lang="en-US" dirty="0"/>
-              <a:t>Via Member subscription.</a:t>
-            </a:r>
-          </a:p>
-          <a:p>
-            <a:r>
-              <a:rPr lang="en-US" dirty="0"/>
-              <a:t>Via Guest Mode.</a:t>
-            </a:r>
-          </a:p>
-        </p:txBody>
-      </p:sp>
     </p:spTree>
     <p:extLst>
       <p:ext uri="{BB962C8B-B14F-4D97-AF65-F5344CB8AC3E}">
@@ -7989,6 +8999,69 @@
       </p:grpSpPr>
       <p:sp>
         <p:nvSpPr>
+          <p:cNvPr id="24" name="Rectangle 23">
+            <a:extLst>
+              <a:ext uri="{FF2B5EF4-FFF2-40B4-BE49-F238E27FC236}">
+                <a16:creationId xmlns:a16="http://schemas.microsoft.com/office/drawing/2014/main" id="{A93D97C6-63EF-4CA6-B01D-25E2772DC9EF}"/>
+              </a:ext>
+              <a:ext uri="{C183D7F6-B498-43B3-948B-1728B52AA6E4}">
+                <adec:decorative xmlns:adec="http://schemas.microsoft.com/office/drawing/2017/decorative" val="1"/>
+              </a:ext>
+            </a:extLst>
+          </p:cNvPr>
+          <p:cNvSpPr>
+            <a:spLocks noGrp="1" noRot="1" noChangeAspect="1" noMove="1" noResize="1" noEditPoints="1" noAdjustHandles="1" noChangeArrowheads="1" noChangeShapeType="1" noTextEdit="1"/>
+          </p:cNvSpPr>
+          <p:nvPr>
+            <p:extLst>
+              <p:ext uri="{386F3935-93C4-4BCD-93E2-E3B085C9AB24}">
+                <p16:designElem xmlns:p16="http://schemas.microsoft.com/office/powerpoint/2015/main" val="1"/>
+              </p:ext>
+            </p:extLst>
+          </p:nvPr>
+        </p:nvSpPr>
+        <p:spPr>
+          <a:xfrm>
+            <a:off x="0" y="0"/>
+            <a:ext cx="12192000" cy="6858000"/>
+          </a:xfrm>
+          <a:prstGeom prst="rect">
+            <a:avLst/>
+          </a:prstGeom>
+          <a:solidFill>
+            <a:schemeClr val="bg2"/>
+          </a:solidFill>
+          <a:ln>
+            <a:noFill/>
+          </a:ln>
+        </p:spPr>
+        <p:style>
+          <a:lnRef idx="2">
+            <a:schemeClr val="accent1">
+              <a:shade val="50000"/>
+            </a:schemeClr>
+          </a:lnRef>
+          <a:fillRef idx="1">
+            <a:schemeClr val="accent1"/>
+          </a:fillRef>
+          <a:effectRef idx="0">
+            <a:schemeClr val="accent1"/>
+          </a:effectRef>
+          <a:fontRef idx="minor">
+            <a:schemeClr val="lt1"/>
+          </a:fontRef>
+        </p:style>
+        <p:txBody>
+          <a:bodyPr rtlCol="0" anchor="ctr"/>
+          <a:lstStyle/>
+          <a:p>
+            <a:pPr algn="ctr"/>
+            <a:endParaRPr lang="en-US"/>
+          </a:p>
+        </p:txBody>
+      </p:sp>
+      <p:sp>
+        <p:nvSpPr>
           <p:cNvPr id="2" name="Title 1">
             <a:extLst>
               <a:ext uri="{FF2B5EF4-FFF2-40B4-BE49-F238E27FC236}">
@@ -8005,8 +9078,8 @@
         </p:nvSpPr>
         <p:spPr>
           <a:xfrm>
-            <a:off x="1371600" y="685800"/>
-            <a:ext cx="3282695" cy="1485900"/>
+            <a:off x="5100824" y="685800"/>
+            <a:ext cx="6176776" cy="1485900"/>
           </a:xfrm>
         </p:spPr>
         <p:txBody>
@@ -8017,64 +9090,17 @@
           <a:p>
             <a:r>
               <a:rPr lang="en-IL" dirty="0"/>
-              <a:t>Via Member Subscription</a:t>
-            </a:r>
-          </a:p>
-        </p:txBody>
-      </p:sp>
-      <p:sp>
-        <p:nvSpPr>
-          <p:cNvPr id="9" name="Content Placeholder 8">
+              <a:t>Via Socials Media</a:t>
+            </a:r>
+          </a:p>
+        </p:txBody>
+      </p:sp>
+      <p:pic>
+        <p:nvPicPr>
+          <p:cNvPr id="4" name="Picture 3" descr="Graphical user interface, application&#10;&#10;Description automatically generated">
             <a:extLst>
               <a:ext uri="{FF2B5EF4-FFF2-40B4-BE49-F238E27FC236}">
-                <a16:creationId xmlns:a16="http://schemas.microsoft.com/office/drawing/2014/main" id="{DE90A881-8270-48D0-9543-1587D010A7C3}"/>
-              </a:ext>
-            </a:extLst>
-          </p:cNvPr>
-          <p:cNvSpPr>
-            <a:spLocks noGrp="1"/>
-          </p:cNvSpPr>
-          <p:nvPr>
-            <p:ph idx="1"/>
-          </p:nvPr>
-        </p:nvSpPr>
-        <p:spPr>
-          <a:xfrm>
-            <a:off x="1371600" y="2286000"/>
-            <a:ext cx="3282694" cy="3581400"/>
-          </a:xfrm>
-        </p:spPr>
-        <p:txBody>
-          <a:bodyPr>
-            <a:normAutofit/>
-          </a:bodyPr>
-          <a:lstStyle/>
-          <a:p>
-            <a:r>
-              <a:rPr lang="en-US" dirty="0"/>
-              <a:t>Registration </a:t>
-            </a:r>
-          </a:p>
-          <a:p>
-            <a:r>
-              <a:rPr lang="en-US" dirty="0"/>
-              <a:t>Third Party Vendors</a:t>
-            </a:r>
-          </a:p>
-          <a:p>
-            <a:r>
-              <a:rPr lang="en-US" dirty="0"/>
-              <a:t>Sign up </a:t>
-            </a:r>
-          </a:p>
-        </p:txBody>
-      </p:sp>
-      <p:pic>
-        <p:nvPicPr>
-          <p:cNvPr id="5" name="Content Placeholder 4" descr="Graphical user interface, application&#10;&#10;Description automatically generated">
-            <a:extLst>
-              <a:ext uri="{FF2B5EF4-FFF2-40B4-BE49-F238E27FC236}">
-                <a16:creationId xmlns:a16="http://schemas.microsoft.com/office/drawing/2014/main" id="{4EB68F90-4B75-F645-B3D3-018422507B93}"/>
+                <a16:creationId xmlns:a16="http://schemas.microsoft.com/office/drawing/2014/main" id="{F0120069-2F5A-0386-3227-F3D3DD3566F0}"/>
               </a:ext>
             </a:extLst>
           </p:cNvPr>
@@ -8091,44 +9117,121 @@
         </p:blipFill>
         <p:spPr>
           <a:xfrm>
-            <a:off x="5157788" y="385026"/>
-            <a:ext cx="3043972" cy="6087947"/>
+            <a:off x="779538" y="639704"/>
+            <a:ext cx="2802864" cy="5577840"/>
           </a:xfrm>
           <a:prstGeom prst="rect">
             <a:avLst/>
           </a:prstGeom>
         </p:spPr>
       </p:pic>
-      <p:pic>
-        <p:nvPicPr>
-          <p:cNvPr id="7" name="Picture 6" descr="Graphical user interface, application&#10;&#10;Description automatically generated">
+      <p:sp>
+        <p:nvSpPr>
+          <p:cNvPr id="26" name="Rectangle 25">
             <a:extLst>
               <a:ext uri="{FF2B5EF4-FFF2-40B4-BE49-F238E27FC236}">
-                <a16:creationId xmlns:a16="http://schemas.microsoft.com/office/drawing/2014/main" id="{4DD358FC-5C2F-C043-BC05-274E4E43FE38}"/>
+                <a16:creationId xmlns:a16="http://schemas.microsoft.com/office/drawing/2014/main" id="{5DA4A40B-EDCE-42FC-B189-AEFB4F82E818}"/>
+              </a:ext>
+              <a:ext uri="{C183D7F6-B498-43B3-948B-1728B52AA6E4}">
+                <adec:decorative xmlns:adec="http://schemas.microsoft.com/office/drawing/2017/decorative" val="1"/>
               </a:ext>
             </a:extLst>
           </p:cNvPr>
-          <p:cNvPicPr>
-            <a:picLocks noChangeAspect="1"/>
-          </p:cNvPicPr>
-          <p:nvPr/>
-        </p:nvPicPr>
-        <p:blipFill>
-          <a:blip r:embed="rId3"/>
-          <a:stretch>
-            <a:fillRect/>
-          </a:stretch>
-        </p:blipFill>
-        <p:spPr>
-          <a:xfrm>
-            <a:off x="8337211" y="1428750"/>
-            <a:ext cx="2483189" cy="5014911"/>
+          <p:cNvSpPr>
+            <a:spLocks noGrp="1" noRot="1" noChangeAspect="1" noMove="1" noResize="1" noEditPoints="1" noAdjustHandles="1" noChangeArrowheads="1" noChangeShapeType="1" noTextEdit="1"/>
+          </p:cNvSpPr>
+          <p:nvPr>
+            <p:extLst>
+              <p:ext uri="{386F3935-93C4-4BCD-93E2-E3B085C9AB24}">
+                <p16:designElem xmlns:p16="http://schemas.microsoft.com/office/powerpoint/2015/main" val="1"/>
+              </p:ext>
+            </p:extLst>
+          </p:nvPr>
+        </p:nvSpPr>
+        <p:spPr>
+          <a:xfrm>
+            <a:off x="4373545" y="376"/>
+            <a:ext cx="228600" cy="6858000"/>
           </a:xfrm>
           <a:prstGeom prst="rect">
             <a:avLst/>
           </a:prstGeom>
-        </p:spPr>
-      </p:pic>
+          <a:solidFill>
+            <a:schemeClr val="tx2"/>
+          </a:solidFill>
+          <a:ln>
+            <a:noFill/>
+          </a:ln>
+        </p:spPr>
+        <p:style>
+          <a:lnRef idx="2">
+            <a:schemeClr val="accent1">
+              <a:shade val="50000"/>
+            </a:schemeClr>
+          </a:lnRef>
+          <a:fillRef idx="1">
+            <a:schemeClr val="accent1"/>
+          </a:fillRef>
+          <a:effectRef idx="0">
+            <a:schemeClr val="accent1"/>
+          </a:effectRef>
+          <a:fontRef idx="minor">
+            <a:schemeClr val="lt1"/>
+          </a:fontRef>
+        </p:style>
+      </p:sp>
+      <p:sp>
+        <p:nvSpPr>
+          <p:cNvPr id="9" name="Content Placeholder 8">
+            <a:extLst>
+              <a:ext uri="{FF2B5EF4-FFF2-40B4-BE49-F238E27FC236}">
+                <a16:creationId xmlns:a16="http://schemas.microsoft.com/office/drawing/2014/main" id="{DE90A881-8270-48D0-9543-1587D010A7C3}"/>
+              </a:ext>
+            </a:extLst>
+          </p:cNvPr>
+          <p:cNvSpPr>
+            <a:spLocks noGrp="1"/>
+          </p:cNvSpPr>
+          <p:nvPr>
+            <p:ph idx="1"/>
+          </p:nvPr>
+        </p:nvSpPr>
+        <p:spPr>
+          <a:xfrm>
+            <a:off x="5100824" y="2286000"/>
+            <a:ext cx="6176776" cy="3581400"/>
+          </a:xfrm>
+        </p:spPr>
+        <p:txBody>
+          <a:bodyPr>
+            <a:normAutofit/>
+          </a:bodyPr>
+          <a:lstStyle/>
+          <a:p>
+            <a:r>
+              <a:rPr lang="en-US" dirty="0"/>
+              <a:t>Authentication via socials media </a:t>
+            </a:r>
+          </a:p>
+          <a:p>
+            <a:r>
+              <a:rPr lang="en-US" dirty="0"/>
+              <a:t>Facebook/Google/Twitter/</a:t>
+            </a:r>
+            <a:r>
+              <a:rPr lang="en-US" dirty="0" err="1"/>
+              <a:t>Linkedin</a:t>
+            </a:r>
+            <a:endParaRPr lang="en-US" dirty="0"/>
+          </a:p>
+          <a:p>
+            <a:r>
+              <a:rPr lang="en-US" dirty="0"/>
+              <a:t>Only Social Media registration for now</a:t>
+            </a:r>
+          </a:p>
+        </p:txBody>
+      </p:sp>
     </p:spTree>
     <p:extLst>
       <p:ext uri="{BB962C8B-B14F-4D97-AF65-F5344CB8AC3E}">
@@ -8167,12 +9270,12 @@
           <a:chExt cx="0" cy="0"/>
         </a:xfrm>
       </p:grpSpPr>
-      <p:sp useBgFill="1">
-        <p:nvSpPr>
-          <p:cNvPr id="19" name="Rectangle 18">
+      <p:sp>
+        <p:nvSpPr>
+          <p:cNvPr id="38" name="Rectangle 33">
             <a:extLst>
               <a:ext uri="{FF2B5EF4-FFF2-40B4-BE49-F238E27FC236}">
-                <a16:creationId xmlns:a16="http://schemas.microsoft.com/office/drawing/2014/main" id="{1D868099-6145-4BC0-A5EA-74BEF1776BA9}"/>
+                <a16:creationId xmlns:a16="http://schemas.microsoft.com/office/drawing/2014/main" id="{9A204626-2220-4678-A939-FD94EA7B5362}"/>
               </a:ext>
               <a:ext uri="{C183D7F6-B498-43B3-948B-1728B52AA6E4}">
                 <adec:decorative xmlns:adec="http://schemas.microsoft.com/office/drawing/2017/decorative" val="1"/>
@@ -8198,6 +9301,9 @@
           <a:prstGeom prst="rect">
             <a:avLst/>
           </a:prstGeom>
+          <a:solidFill>
+            <a:schemeClr val="bg2"/>
+          </a:solidFill>
           <a:ln>
             <a:noFill/>
           </a:ln>
@@ -8245,23 +9351,130 @@
         </p:nvSpPr>
         <p:spPr>
           <a:xfrm>
-            <a:off x="8471424" y="1110882"/>
-            <a:ext cx="3053039" cy="1060817"/>
-          </a:xfrm>
-        </p:spPr>
-        <p:txBody>
-          <a:bodyPr anchor="b">
+            <a:off x="784743" y="685800"/>
+            <a:ext cx="5958837" cy="1485900"/>
+          </a:xfrm>
+        </p:spPr>
+        <p:txBody>
+          <a:bodyPr>
             <a:normAutofit/>
           </a:bodyPr>
           <a:lstStyle/>
           <a:p>
             <a:r>
-              <a:rPr lang="en-IL" sz="2800"/>
+              <a:rPr lang="en-IL"/>
               <a:t>Guest Mode</a:t>
             </a:r>
-            <a:endParaRPr lang="en-IL" sz="2800" dirty="0"/>
-          </a:p>
-        </p:txBody>
+          </a:p>
+        </p:txBody>
+      </p:sp>
+      <p:sp>
+        <p:nvSpPr>
+          <p:cNvPr id="29" name="Content Placeholder 8">
+            <a:extLst>
+              <a:ext uri="{FF2B5EF4-FFF2-40B4-BE49-F238E27FC236}">
+                <a16:creationId xmlns:a16="http://schemas.microsoft.com/office/drawing/2014/main" id="{E5CE6DFB-CA2C-40DD-9BC4-4B9CEE40EAC1}"/>
+              </a:ext>
+            </a:extLst>
+          </p:cNvPr>
+          <p:cNvSpPr>
+            <a:spLocks noGrp="1"/>
+          </p:cNvSpPr>
+          <p:nvPr>
+            <p:ph idx="1"/>
+          </p:nvPr>
+        </p:nvSpPr>
+        <p:spPr>
+          <a:xfrm>
+            <a:off x="784743" y="2286000"/>
+            <a:ext cx="5958837" cy="3581400"/>
+          </a:xfrm>
+        </p:spPr>
+        <p:txBody>
+          <a:bodyPr>
+            <a:normAutofit/>
+          </a:bodyPr>
+          <a:lstStyle/>
+          <a:p>
+            <a:r>
+              <a:rPr lang="en-US" dirty="0"/>
+              <a:t>Just Enter your nickname.</a:t>
+            </a:r>
+          </a:p>
+          <a:p>
+            <a:r>
+              <a:rPr lang="en-US" dirty="0"/>
+              <a:t>Nickname will be per session</a:t>
+            </a:r>
+          </a:p>
+          <a:p>
+            <a:r>
+              <a:rPr lang="en-US" dirty="0"/>
+              <a:t>Anonymous use </a:t>
+            </a:r>
+          </a:p>
+          <a:p>
+            <a:r>
+              <a:rPr lang="en-US" dirty="0"/>
+              <a:t>Pop up for Guest Mode second thoughts confirmation (‘You are about to enter as guest, thus will not enjoy so many awesome features! Are you sure?)</a:t>
+            </a:r>
+          </a:p>
+        </p:txBody>
+      </p:sp>
+      <p:sp>
+        <p:nvSpPr>
+          <p:cNvPr id="39" name="Rectangle 35">
+            <a:extLst>
+              <a:ext uri="{FF2B5EF4-FFF2-40B4-BE49-F238E27FC236}">
+                <a16:creationId xmlns:a16="http://schemas.microsoft.com/office/drawing/2014/main" id="{EB97D8A6-1C5A-42B6-AE78-F3D0F9BDF024}"/>
+              </a:ext>
+              <a:ext uri="{C183D7F6-B498-43B3-948B-1728B52AA6E4}">
+                <adec:decorative xmlns:adec="http://schemas.microsoft.com/office/drawing/2017/decorative" val="1"/>
+              </a:ext>
+            </a:extLst>
+          </p:cNvPr>
+          <p:cNvSpPr>
+            <a:spLocks noGrp="1" noRot="1" noChangeAspect="1" noMove="1" noResize="1" noEditPoints="1" noAdjustHandles="1" noChangeArrowheads="1" noChangeShapeType="1" noTextEdit="1"/>
+          </p:cNvSpPr>
+          <p:nvPr>
+            <p:extLst>
+              <p:ext uri="{386F3935-93C4-4BCD-93E2-E3B085C9AB24}">
+                <p16:designElem xmlns:p16="http://schemas.microsoft.com/office/powerpoint/2015/main" val="1"/>
+              </p:ext>
+            </p:extLst>
+          </p:nvPr>
+        </p:nvSpPr>
+        <p:spPr>
+          <a:xfrm>
+            <a:off x="7383661" y="0"/>
+            <a:ext cx="228600" cy="6858000"/>
+          </a:xfrm>
+          <a:prstGeom prst="rect">
+            <a:avLst/>
+          </a:prstGeom>
+          <a:solidFill>
+            <a:schemeClr val="tx2"/>
+          </a:solidFill>
+          <a:ln>
+            <a:noFill/>
+          </a:ln>
+        </p:spPr>
+        <p:style>
+          <a:lnRef idx="2">
+            <a:schemeClr val="accent1">
+              <a:shade val="50000"/>
+            </a:schemeClr>
+          </a:lnRef>
+          <a:fillRef idx="1">
+            <a:schemeClr val="accent1"/>
+          </a:fillRef>
+          <a:effectRef idx="0">
+            <a:schemeClr val="accent1"/>
+          </a:effectRef>
+          <a:fontRef idx="minor">
+            <a:schemeClr val="lt1"/>
+          </a:fontRef>
+        </p:style>
       </p:sp>
       <p:pic>
         <p:nvPicPr>
@@ -8285,7 +9498,7 @@
         </p:blipFill>
         <p:spPr>
           <a:xfrm>
-            <a:off x="2696977" y="640080"/>
+            <a:off x="8514642" y="639704"/>
             <a:ext cx="2774975" cy="5577840"/>
           </a:xfrm>
           <a:prstGeom prst="rect">
@@ -8293,116 +9506,6 @@
           </a:prstGeom>
         </p:spPr>
       </p:pic>
-      <p:sp>
-        <p:nvSpPr>
-          <p:cNvPr id="29" name="Content Placeholder 8">
-            <a:extLst>
-              <a:ext uri="{FF2B5EF4-FFF2-40B4-BE49-F238E27FC236}">
-                <a16:creationId xmlns:a16="http://schemas.microsoft.com/office/drawing/2014/main" id="{E5CE6DFB-CA2C-40DD-9BC4-4B9CEE40EAC1}"/>
-              </a:ext>
-            </a:extLst>
-          </p:cNvPr>
-          <p:cNvSpPr>
-            <a:spLocks noGrp="1"/>
-          </p:cNvSpPr>
-          <p:nvPr>
-            <p:ph idx="1"/>
-          </p:nvPr>
-        </p:nvSpPr>
-        <p:spPr>
-          <a:xfrm>
-            <a:off x="8471423" y="2286000"/>
-            <a:ext cx="3053039" cy="3931920"/>
-          </a:xfrm>
-        </p:spPr>
-        <p:txBody>
-          <a:bodyPr>
-            <a:normAutofit/>
-          </a:bodyPr>
-          <a:lstStyle/>
-          <a:p>
-            <a:r>
-              <a:rPr lang="en-US" sz="1600" dirty="0"/>
-              <a:t>Just Enter your nickname.</a:t>
-            </a:r>
-          </a:p>
-        </p:txBody>
-      </p:sp>
-      <p:sp>
-        <p:nvSpPr>
-          <p:cNvPr id="21" name="Freeform 6">
-            <a:extLst>
-              <a:ext uri="{FF2B5EF4-FFF2-40B4-BE49-F238E27FC236}">
-                <a16:creationId xmlns:a16="http://schemas.microsoft.com/office/drawing/2014/main" id="{CC1026F7-DECB-49B4-A565-518BBA445471}"/>
-              </a:ext>
-              <a:ext uri="{C183D7F6-B498-43B3-948B-1728B52AA6E4}">
-                <adec:decorative xmlns:adec="http://schemas.microsoft.com/office/drawing/2017/decorative" val="1"/>
-              </a:ext>
-            </a:extLst>
-          </p:cNvPr>
-          <p:cNvSpPr>
-            <a:spLocks noGrp="1" noRot="1" noChangeAspect="1" noMove="1" noResize="1" noEditPoints="1" noAdjustHandles="1" noChangeArrowheads="1" noChangeShapeType="1" noTextEdit="1"/>
-          </p:cNvSpPr>
-          <p:nvPr>
-            <p:extLst>
-              <p:ext uri="{386F3935-93C4-4BCD-93E2-E3B085C9AB24}">
-                <p16:designElem xmlns:p16="http://schemas.microsoft.com/office/powerpoint/2015/main" val="1"/>
-              </p:ext>
-            </p:extLst>
-          </p:nvPr>
-        </p:nvSpPr>
-        <p:spPr bwMode="auto">
-          <a:xfrm flipH="1" flipV="1">
-            <a:off x="7983434" y="640080"/>
-            <a:ext cx="2296028" cy="3674981"/>
-          </a:xfrm>
-          <a:custGeom>
-            <a:avLst/>
-            <a:gdLst/>
-            <a:ahLst/>
-            <a:cxnLst/>
-            <a:rect l="l" t="t" r="r" b="b"/>
-            <a:pathLst>
-              <a:path w="10002" h="10000">
-                <a:moveTo>
-                  <a:pt x="8763" y="0"/>
-                </a:moveTo>
-                <a:lnTo>
-                  <a:pt x="10002" y="0"/>
-                </a:lnTo>
-                <a:lnTo>
-                  <a:pt x="10002" y="10000"/>
-                </a:lnTo>
-                <a:lnTo>
-                  <a:pt x="2" y="10000"/>
-                </a:lnTo>
-                <a:cubicBezTo>
-                  <a:pt x="-2" y="9698"/>
-                  <a:pt x="4" y="9427"/>
-                  <a:pt x="0" y="9125"/>
-                </a:cubicBezTo>
-                <a:lnTo>
-                  <a:pt x="8763" y="9128"/>
-                </a:lnTo>
-                <a:lnTo>
-                  <a:pt x="8763" y="0"/>
-                </a:lnTo>
-                <a:close/>
-              </a:path>
-            </a:pathLst>
-          </a:custGeom>
-          <a:solidFill>
-            <a:schemeClr val="tx2"/>
-          </a:solidFill>
-          <a:ln w="0">
-            <a:noFill/>
-            <a:prstDash val="solid"/>
-            <a:round/>
-            <a:headEnd/>
-            <a:tailEnd/>
-          </a:ln>
-        </p:spPr>
-      </p:sp>
     </p:spTree>
     <p:extLst>
       <p:ext uri="{BB962C8B-B14F-4D97-AF65-F5344CB8AC3E}">
@@ -8533,24 +9636,10 @@
           <a:lstStyle/>
           <a:p>
             <a:r>
-              <a:rPr lang="en-IL" dirty="0"/>
-              <a:t>Guest Mode ?</a:t>
-            </a:r>
-            <a:br>
-              <a:rPr lang="en-IL" dirty="0"/>
-            </a:br>
-            <a:r>
-              <a:rPr lang="en-IL" dirty="0"/>
-              <a:t>So why should </a:t>
-            </a:r>
-            <a:r>
               <a:rPr lang="en-US" dirty="0"/>
-              <a:t>I</a:t>
-            </a:r>
-            <a:r>
-              <a:rPr lang="en-IL" dirty="0"/>
-              <a:t> sign in ?</a:t>
-            </a:r>
+              <a:t>Benefits of signed users:</a:t>
+            </a:r>
+            <a:endParaRPr lang="en-IL" dirty="0"/>
           </a:p>
         </p:txBody>
       </p:sp>
@@ -8657,8 +9746,8 @@
         </p:nvSpPr>
         <p:spPr>
           <a:xfrm>
-            <a:off x="5100824" y="2286000"/>
-            <a:ext cx="6176776" cy="1685925"/>
+            <a:off x="5100823" y="2286000"/>
+            <a:ext cx="6414901" cy="4300538"/>
           </a:xfrm>
         </p:spPr>
         <p:txBody>
@@ -8669,19 +9758,55 @@
           <a:p>
             <a:r>
               <a:rPr lang="en-US" dirty="0"/>
-              <a:t>Users Enjoy personal extra features </a:t>
-            </a:r>
-          </a:p>
-          <a:p>
+              <a:t>Users will enjoy extra features :</a:t>
+            </a:r>
+          </a:p>
+          <a:p>
+            <a:pPr marL="0" indent="0">
+              <a:buNone/>
+            </a:pPr>
             <a:r>
               <a:rPr lang="en-US" dirty="0"/>
-              <a:t>Users gets preferred attention</a:t>
-            </a:r>
-          </a:p>
-          <a:p>
+              <a:t>	- Profile page</a:t>
+            </a:r>
+          </a:p>
+          <a:p>
+            <a:pPr marL="0" indent="0">
+              <a:buNone/>
+            </a:pPr>
             <a:r>
               <a:rPr lang="en-US" dirty="0"/>
-              <a:t>Hosts gets information about users that will help them configure music to the user’s taste.</a:t>
+              <a:t>	- Reports (Statistics about user’s app usage)</a:t>
+            </a:r>
+          </a:p>
+          <a:p>
+            <a:pPr marL="0" indent="0">
+              <a:buNone/>
+            </a:pPr>
+            <a:r>
+              <a:rPr lang="en-US" dirty="0"/>
+              <a:t>	- Favorites (Artists &amp; Hosts)</a:t>
+            </a:r>
+          </a:p>
+          <a:p>
+            <a:pPr marL="0" indent="0">
+              <a:buNone/>
+            </a:pPr>
+            <a:r>
+              <a:rPr lang="en-US" dirty="0"/>
+              <a:t>	- Personalized Suggestions   </a:t>
+            </a:r>
+          </a:p>
+          <a:p>
+            <a:r>
+              <a:rPr lang="en-US" dirty="0"/>
+              <a:t>Hosts could get information about user’s specification  that will help them configure music to the user’s taste.</a:t>
+            </a:r>
+          </a:p>
+          <a:p>
+            <a:r>
+              <a:rPr lang="en-US" dirty="0"/>
+              <a:t>Users could take part of user’s only future activities such as: Suggest Music, Win Prizes and more.</a:t>
             </a:r>
           </a:p>
         </p:txBody>
@@ -8726,10 +9851,49 @@
       </p:grpSpPr>
       <p:sp>
         <p:nvSpPr>
-          <p:cNvPr id="12" name="Rectangle 11">
+          <p:cNvPr id="2" name="Title 1">
             <a:extLst>
               <a:ext uri="{FF2B5EF4-FFF2-40B4-BE49-F238E27FC236}">
-                <a16:creationId xmlns:a16="http://schemas.microsoft.com/office/drawing/2014/main" id="{9A204626-2220-4678-A939-FD94EA7B5362}"/>
+                <a16:creationId xmlns:a16="http://schemas.microsoft.com/office/drawing/2014/main" id="{3E33C2EB-5DB3-E24D-BD75-EBDAE7413666}"/>
+              </a:ext>
+            </a:extLst>
+          </p:cNvPr>
+          <p:cNvSpPr>
+            <a:spLocks noGrp="1"/>
+          </p:cNvSpPr>
+          <p:nvPr>
+            <p:ph type="title"/>
+          </p:nvPr>
+        </p:nvSpPr>
+        <p:spPr>
+          <a:xfrm>
+            <a:off x="4954181" y="685800"/>
+            <a:ext cx="6562905" cy="1485900"/>
+          </a:xfrm>
+        </p:spPr>
+        <p:txBody>
+          <a:bodyPr>
+            <a:normAutofit/>
+          </a:bodyPr>
+          <a:lstStyle/>
+          <a:p>
+            <a:r>
+              <a:rPr lang="en-US" dirty="0"/>
+              <a:t>and some more</a:t>
+            </a:r>
+            <a:r>
+              <a:rPr lang="en-IL" dirty="0"/>
+              <a:t>:</a:t>
+            </a:r>
+          </a:p>
+        </p:txBody>
+      </p:sp>
+      <p:sp>
+        <p:nvSpPr>
+          <p:cNvPr id="23" name="Rectangle 18">
+            <a:extLst>
+              <a:ext uri="{FF2B5EF4-FFF2-40B4-BE49-F238E27FC236}">
+                <a16:creationId xmlns:a16="http://schemas.microsoft.com/office/drawing/2014/main" id="{6B205BC3-0B06-4EA6-9066-1A0BEC22C804}"/>
               </a:ext>
               <a:ext uri="{C183D7F6-B498-43B3-948B-1728B52AA6E4}">
                 <adec:decorative xmlns:adec="http://schemas.microsoft.com/office/drawing/2017/decorative" val="1"/>
@@ -8749,14 +9913,14 @@
         </p:nvSpPr>
         <p:spPr>
           <a:xfrm>
-            <a:off x="0" y="0"/>
-            <a:ext cx="12192000" cy="6858000"/>
+            <a:off x="478095" y="376"/>
+            <a:ext cx="228600" cy="6858000"/>
           </a:xfrm>
           <a:prstGeom prst="rect">
             <a:avLst/>
           </a:prstGeom>
           <a:solidFill>
-            <a:schemeClr val="bg2"/>
+            <a:schemeClr val="tx2"/>
           </a:solidFill>
           <a:ln>
             <a:noFill/>
@@ -8778,164 +9942,6 @@
             <a:schemeClr val="lt1"/>
           </a:fontRef>
         </p:style>
-        <p:txBody>
-          <a:bodyPr rtlCol="0" anchor="ctr"/>
-          <a:lstStyle/>
-          <a:p>
-            <a:pPr algn="ctr"/>
-            <a:endParaRPr lang="en-US"/>
-          </a:p>
-        </p:txBody>
-      </p:sp>
-      <p:sp>
-        <p:nvSpPr>
-          <p:cNvPr id="2" name="Title 1">
-            <a:extLst>
-              <a:ext uri="{FF2B5EF4-FFF2-40B4-BE49-F238E27FC236}">
-                <a16:creationId xmlns:a16="http://schemas.microsoft.com/office/drawing/2014/main" id="{3E33C2EB-5DB3-E24D-BD75-EBDAE7413666}"/>
-              </a:ext>
-            </a:extLst>
-          </p:cNvPr>
-          <p:cNvSpPr>
-            <a:spLocks noGrp="1"/>
-          </p:cNvSpPr>
-          <p:nvPr>
-            <p:ph type="title"/>
-          </p:nvPr>
-        </p:nvSpPr>
-        <p:spPr>
-          <a:xfrm>
-            <a:off x="784743" y="685800"/>
-            <a:ext cx="5958837" cy="1485900"/>
-          </a:xfrm>
-        </p:spPr>
-        <p:txBody>
-          <a:bodyPr>
-            <a:normAutofit/>
-          </a:bodyPr>
-          <a:lstStyle/>
-          <a:p>
-            <a:r>
-              <a:rPr lang="en-IL" dirty="0"/>
-              <a:t>Users Enjoy more.</a:t>
-            </a:r>
-            <a:br>
-              <a:rPr lang="en-IL" dirty="0"/>
-            </a:br>
-            <a:r>
-              <a:rPr lang="en-IL" dirty="0"/>
-              <a:t>Users perks are:</a:t>
-            </a:r>
-          </a:p>
-        </p:txBody>
-      </p:sp>
-      <p:sp>
-        <p:nvSpPr>
-          <p:cNvPr id="9" name="Content Placeholder 8">
-            <a:extLst>
-              <a:ext uri="{FF2B5EF4-FFF2-40B4-BE49-F238E27FC236}">
-                <a16:creationId xmlns:a16="http://schemas.microsoft.com/office/drawing/2014/main" id="{CADD1E34-E9C2-49D2-83AB-F904F012DA7F}"/>
-              </a:ext>
-            </a:extLst>
-          </p:cNvPr>
-          <p:cNvSpPr>
-            <a:spLocks noGrp="1"/>
-          </p:cNvSpPr>
-          <p:nvPr>
-            <p:ph idx="1"/>
-          </p:nvPr>
-        </p:nvSpPr>
-        <p:spPr>
-          <a:xfrm>
-            <a:off x="784743" y="2286000"/>
-            <a:ext cx="5958837" cy="1843088"/>
-          </a:xfrm>
-        </p:spPr>
-        <p:txBody>
-          <a:bodyPr>
-            <a:normAutofit/>
-          </a:bodyPr>
-          <a:lstStyle/>
-          <a:p>
-            <a:r>
-              <a:rPr lang="en-US" dirty="0"/>
-              <a:t>Adding / Removing personal data</a:t>
-            </a:r>
-          </a:p>
-          <a:p>
-            <a:r>
-              <a:rPr lang="en-US" dirty="0"/>
-              <a:t>Genre's personalization </a:t>
-            </a:r>
-          </a:p>
-          <a:p>
-            <a:r>
-              <a:rPr lang="en-US" dirty="0"/>
-              <a:t>Favorite Artists</a:t>
-            </a:r>
-          </a:p>
-          <a:p>
-            <a:r>
-              <a:rPr lang="en-US" dirty="0"/>
-              <a:t>More Data collection about you flavor in music</a:t>
-            </a:r>
-          </a:p>
-        </p:txBody>
-      </p:sp>
-      <p:sp>
-        <p:nvSpPr>
-          <p:cNvPr id="14" name="Rectangle 13">
-            <a:extLst>
-              <a:ext uri="{FF2B5EF4-FFF2-40B4-BE49-F238E27FC236}">
-                <a16:creationId xmlns:a16="http://schemas.microsoft.com/office/drawing/2014/main" id="{EB97D8A6-1C5A-42B6-AE78-F3D0F9BDF024}"/>
-              </a:ext>
-              <a:ext uri="{C183D7F6-B498-43B3-948B-1728B52AA6E4}">
-                <adec:decorative xmlns:adec="http://schemas.microsoft.com/office/drawing/2017/decorative" val="1"/>
-              </a:ext>
-            </a:extLst>
-          </p:cNvPr>
-          <p:cNvSpPr>
-            <a:spLocks noGrp="1" noRot="1" noChangeAspect="1" noMove="1" noResize="1" noEditPoints="1" noAdjustHandles="1" noChangeArrowheads="1" noChangeShapeType="1" noTextEdit="1"/>
-          </p:cNvSpPr>
-          <p:nvPr>
-            <p:extLst>
-              <p:ext uri="{386F3935-93C4-4BCD-93E2-E3B085C9AB24}">
-                <p16:designElem xmlns:p16="http://schemas.microsoft.com/office/powerpoint/2015/main" val="1"/>
-              </p:ext>
-            </p:extLst>
-          </p:nvPr>
-        </p:nvSpPr>
-        <p:spPr>
-          <a:xfrm>
-            <a:off x="7383661" y="0"/>
-            <a:ext cx="228600" cy="6858000"/>
-          </a:xfrm>
-          <a:prstGeom prst="rect">
-            <a:avLst/>
-          </a:prstGeom>
-          <a:solidFill>
-            <a:schemeClr val="tx2"/>
-          </a:solidFill>
-          <a:ln>
-            <a:noFill/>
-          </a:ln>
-        </p:spPr>
-        <p:style>
-          <a:lnRef idx="2">
-            <a:schemeClr val="accent1">
-              <a:shade val="50000"/>
-            </a:schemeClr>
-          </a:lnRef>
-          <a:fillRef idx="1">
-            <a:schemeClr val="accent1"/>
-          </a:fillRef>
-          <a:effectRef idx="0">
-            <a:schemeClr val="accent1"/>
-          </a:effectRef>
-          <a:fontRef idx="minor">
-            <a:schemeClr val="lt1"/>
-          </a:fontRef>
-        </p:style>
       </p:sp>
       <p:pic>
         <p:nvPicPr>
@@ -8959,8 +9965,8 @@
         </p:blipFill>
         <p:spPr>
           <a:xfrm>
-            <a:off x="8521614" y="639704"/>
-            <a:ext cx="2761031" cy="5577840"/>
+            <a:off x="1531620" y="645106"/>
+            <a:ext cx="2597635" cy="5247747"/>
           </a:xfrm>
           <a:prstGeom prst="rect">
             <a:avLst/>
@@ -8969,37 +9975,66 @@
       </p:pic>
       <p:sp>
         <p:nvSpPr>
-          <p:cNvPr id="6" name="TextBox 5">
+          <p:cNvPr id="9" name="Content Placeholder 8">
             <a:extLst>
               <a:ext uri="{FF2B5EF4-FFF2-40B4-BE49-F238E27FC236}">
-                <a16:creationId xmlns:a16="http://schemas.microsoft.com/office/drawing/2014/main" id="{C8B1B574-9AB0-6646-ABC9-AA476F86C8AE}"/>
+                <a16:creationId xmlns:a16="http://schemas.microsoft.com/office/drawing/2014/main" id="{CADD1E34-E9C2-49D2-83AB-F904F012DA7F}"/>
               </a:ext>
             </a:extLst>
           </p:cNvPr>
-          <p:cNvSpPr txBox="1"/>
-          <p:nvPr/>
-        </p:nvSpPr>
-        <p:spPr>
-          <a:xfrm>
-            <a:off x="2028826" y="4371975"/>
-            <a:ext cx="4586288" cy="646331"/>
-          </a:xfrm>
-          <a:prstGeom prst="rect">
-            <a:avLst/>
-          </a:prstGeom>
-          <a:noFill/>
-        </p:spPr>
-        <p:txBody>
-          <a:bodyPr wrap="square" rtlCol="0">
-            <a:spAutoFit/>
+          <p:cNvSpPr>
+            <a:spLocks noGrp="1"/>
+          </p:cNvSpPr>
+          <p:nvPr>
+            <p:ph idx="1"/>
+          </p:nvPr>
+        </p:nvSpPr>
+        <p:spPr>
+          <a:xfrm>
+            <a:off x="4954181" y="1638300"/>
+            <a:ext cx="6562905" cy="3581400"/>
+          </a:xfrm>
+        </p:spPr>
+        <p:txBody>
+          <a:bodyPr>
+            <a:normAutofit/>
           </a:bodyPr>
           <a:lstStyle/>
           <a:p>
             <a:r>
               <a:rPr lang="en-US" dirty="0"/>
-              <a:t>That a way the host could manipulate the options to fit the crowd’s taste.</a:t>
-            </a:r>
-            <a:endParaRPr lang="en-IL" dirty="0"/>
+              <a:t>Adding / Removing personal data</a:t>
+            </a:r>
+          </a:p>
+          <a:p>
+            <a:r>
+              <a:rPr lang="en-US" dirty="0"/>
+              <a:t>Genre's personalization </a:t>
+            </a:r>
+          </a:p>
+          <a:p>
+            <a:r>
+              <a:rPr lang="en-US" dirty="0"/>
+              <a:t>Favorite Artists</a:t>
+            </a:r>
+          </a:p>
+          <a:p>
+            <a:r>
+              <a:rPr lang="en-US" dirty="0"/>
+              <a:t>More Data collection about you flavor in music</a:t>
+            </a:r>
+          </a:p>
+          <a:p>
+            <a:r>
+              <a:rPr lang="en-US" dirty="0"/>
+              <a:t>Users could know what music they picked, and therefore replay it again in the future.</a:t>
+            </a:r>
+          </a:p>
+          <a:p>
+            <a:r>
+              <a:rPr lang="en-US" dirty="0"/>
+              <a:t>Premium Subscription – users only might be inserted.</a:t>
+            </a:r>
           </a:p>
         </p:txBody>
       </p:sp>
